--- a/Capstone_2_Final_Presentation.pptx
+++ b/Capstone_2_Final_Presentation.pptx
@@ -823,7 +823,7 @@
   <p:cSld>
     <p:spTree>
       <p:nvGrpSpPr>
-        <p:cNvPr id="128" name="Shape 128"/>
+        <p:cNvPr id="129" name="Shape 129"/>
         <p:cNvGrpSpPr/>
         <p:nvPr/>
       </p:nvGrpSpPr>
@@ -837,7 +837,7 @@
       </p:grpSpPr>
       <p:sp>
         <p:nvSpPr>
-          <p:cNvPr id="129" name="Google Shape;129;gc538752de6_0_1301:notes"/>
+          <p:cNvPr id="130" name="Google Shape;130;gc538752de6_0_1301:notes"/>
           <p:cNvSpPr/>
           <p:nvPr>
             <p:ph idx="2" type="sldImg"/>
@@ -872,7 +872,7 @@
       </p:sp>
       <p:sp>
         <p:nvSpPr>
-          <p:cNvPr id="130" name="Google Shape;130;gc538752de6_0_1301:notes"/>
+          <p:cNvPr id="131" name="Google Shape;131;gc538752de6_0_1301:notes"/>
           <p:cNvSpPr txBox="1"/>
           <p:nvPr>
             <p:ph idx="1" type="body"/>
@@ -1058,7 +1058,7 @@
   <p:cSld>
     <p:spTree>
       <p:nvGrpSpPr>
-        <p:cNvPr id="135" name="Shape 135"/>
+        <p:cNvPr id="136" name="Shape 136"/>
         <p:cNvGrpSpPr/>
         <p:nvPr/>
       </p:nvGrpSpPr>
@@ -1072,7 +1072,7 @@
       </p:grpSpPr>
       <p:sp>
         <p:nvSpPr>
-          <p:cNvPr id="136" name="Google Shape;136;gc538752de6_0_1246:notes"/>
+          <p:cNvPr id="137" name="Google Shape;137;gc538752de6_0_1246:notes"/>
           <p:cNvSpPr/>
           <p:nvPr>
             <p:ph idx="2" type="sldImg"/>
@@ -1107,7 +1107,7 @@
       </p:sp>
       <p:sp>
         <p:nvSpPr>
-          <p:cNvPr id="137" name="Google Shape;137;gc538752de6_0_1246:notes"/>
+          <p:cNvPr id="138" name="Google Shape;138;gc538752de6_0_1246:notes"/>
           <p:cNvSpPr txBox="1"/>
           <p:nvPr>
             <p:ph idx="1" type="body"/>
@@ -1416,7 +1416,7 @@
   <p:cSld>
     <p:spTree>
       <p:nvGrpSpPr>
-        <p:cNvPr id="145" name="Shape 145"/>
+        <p:cNvPr id="146" name="Shape 146"/>
         <p:cNvGrpSpPr/>
         <p:nvPr/>
       </p:nvGrpSpPr>
@@ -1430,7 +1430,7 @@
       </p:grpSpPr>
       <p:sp>
         <p:nvSpPr>
-          <p:cNvPr id="146" name="Google Shape;146;gc538752de6_0_1313:notes"/>
+          <p:cNvPr id="147" name="Google Shape;147;gc538752de6_0_1313:notes"/>
           <p:cNvSpPr/>
           <p:nvPr>
             <p:ph idx="2" type="sldImg"/>
@@ -1465,7 +1465,7 @@
       </p:sp>
       <p:sp>
         <p:nvSpPr>
-          <p:cNvPr id="147" name="Google Shape;147;gc538752de6_0_1313:notes"/>
+          <p:cNvPr id="148" name="Google Shape;148;gc538752de6_0_1313:notes"/>
           <p:cNvSpPr txBox="1"/>
           <p:nvPr>
             <p:ph idx="1" type="body"/>
@@ -1516,7 +1516,7 @@
   <p:cSld>
     <p:spTree>
       <p:nvGrpSpPr>
-        <p:cNvPr id="152" name="Shape 152"/>
+        <p:cNvPr id="153" name="Shape 153"/>
         <p:cNvGrpSpPr/>
         <p:nvPr/>
       </p:nvGrpSpPr>
@@ -1530,7 +1530,7 @@
       </p:grpSpPr>
       <p:sp>
         <p:nvSpPr>
-          <p:cNvPr id="153" name="Google Shape;153;gc538752de6_0_1251:notes"/>
+          <p:cNvPr id="154" name="Google Shape;154;gc538752de6_0_1251:notes"/>
           <p:cNvSpPr/>
           <p:nvPr>
             <p:ph idx="2" type="sldImg"/>
@@ -1565,7 +1565,7 @@
       </p:sp>
       <p:sp>
         <p:nvSpPr>
-          <p:cNvPr id="154" name="Google Shape;154;gc538752de6_0_1251:notes"/>
+          <p:cNvPr id="155" name="Google Shape;155;gc538752de6_0_1251:notes"/>
           <p:cNvSpPr txBox="1"/>
           <p:nvPr>
             <p:ph idx="1" type="body"/>
@@ -1749,7 +1749,7 @@
   <p:cSld>
     <p:spTree>
       <p:nvGrpSpPr>
-        <p:cNvPr id="166" name="Shape 166"/>
+        <p:cNvPr id="171" name="Shape 171"/>
         <p:cNvGrpSpPr/>
         <p:nvPr/>
       </p:nvGrpSpPr>
@@ -1763,7 +1763,7 @@
       </p:grpSpPr>
       <p:sp>
         <p:nvSpPr>
-          <p:cNvPr id="167" name="Google Shape;167;gc538752de6_0_1256:notes"/>
+          <p:cNvPr id="172" name="Google Shape;172;gc538752de6_0_1256:notes"/>
           <p:cNvSpPr/>
           <p:nvPr>
             <p:ph idx="2" type="sldImg"/>
@@ -1798,7 +1798,7 @@
       </p:sp>
       <p:sp>
         <p:nvSpPr>
-          <p:cNvPr id="168" name="Google Shape;168;gc538752de6_0_1256:notes"/>
+          <p:cNvPr id="173" name="Google Shape;173;gc538752de6_0_1256:notes"/>
           <p:cNvSpPr txBox="1"/>
           <p:nvPr>
             <p:ph idx="1" type="body"/>
@@ -1921,7 +1921,7 @@
   <p:cSld>
     <p:spTree>
       <p:nvGrpSpPr>
-        <p:cNvPr id="174" name="Shape 174"/>
+        <p:cNvPr id="179" name="Shape 179"/>
         <p:cNvGrpSpPr/>
         <p:nvPr/>
       </p:nvGrpSpPr>
@@ -1935,7 +1935,7 @@
       </p:grpSpPr>
       <p:sp>
         <p:nvSpPr>
-          <p:cNvPr id="175" name="Google Shape;175;gc538752de6_0_1261:notes"/>
+          <p:cNvPr id="180" name="Google Shape;180;gc538752de6_0_1261:notes"/>
           <p:cNvSpPr/>
           <p:nvPr>
             <p:ph idx="2" type="sldImg"/>
@@ -1970,7 +1970,7 @@
       </p:sp>
       <p:sp>
         <p:nvSpPr>
-          <p:cNvPr id="176" name="Google Shape;176;gc538752de6_0_1261:notes"/>
+          <p:cNvPr id="181" name="Google Shape;181;gc538752de6_0_1261:notes"/>
           <p:cNvSpPr txBox="1"/>
           <p:nvPr>
             <p:ph idx="1" type="body"/>
@@ -2188,7 +2188,7 @@
   <p:cSld>
     <p:spTree>
       <p:nvGrpSpPr>
-        <p:cNvPr id="182" name="Shape 182"/>
+        <p:cNvPr id="187" name="Shape 187"/>
         <p:cNvGrpSpPr/>
         <p:nvPr/>
       </p:nvGrpSpPr>
@@ -2202,7 +2202,7 @@
       </p:grpSpPr>
       <p:sp>
         <p:nvSpPr>
-          <p:cNvPr id="183" name="Google Shape;183;gc538752de6_0_1266:notes"/>
+          <p:cNvPr id="188" name="Google Shape;188;gc538752de6_0_1266:notes"/>
           <p:cNvSpPr/>
           <p:nvPr>
             <p:ph idx="2" type="sldImg"/>
@@ -2237,7 +2237,7 @@
       </p:sp>
       <p:sp>
         <p:nvSpPr>
-          <p:cNvPr id="184" name="Google Shape;184;gc538752de6_0_1266:notes"/>
+          <p:cNvPr id="189" name="Google Shape;189;gc538752de6_0_1266:notes"/>
           <p:cNvSpPr txBox="1"/>
           <p:nvPr>
             <p:ph idx="1" type="body"/>
@@ -2372,7 +2372,7 @@
   <p:cSld>
     <p:spTree>
       <p:nvGrpSpPr>
-        <p:cNvPr id="188" name="Shape 188"/>
+        <p:cNvPr id="193" name="Shape 193"/>
         <p:cNvGrpSpPr/>
         <p:nvPr/>
       </p:nvGrpSpPr>
@@ -2386,7 +2386,7 @@
       </p:grpSpPr>
       <p:sp>
         <p:nvSpPr>
-          <p:cNvPr id="189" name="Google Shape;189;gc538752de6_0_1271:notes"/>
+          <p:cNvPr id="194" name="Google Shape;194;gc538752de6_0_1271:notes"/>
           <p:cNvSpPr/>
           <p:nvPr>
             <p:ph idx="2" type="sldImg"/>
@@ -2421,7 +2421,7 @@
       </p:sp>
       <p:sp>
         <p:nvSpPr>
-          <p:cNvPr id="190" name="Google Shape;190;gc538752de6_0_1271:notes"/>
+          <p:cNvPr id="195" name="Google Shape;195;gc538752de6_0_1271:notes"/>
           <p:cNvSpPr txBox="1"/>
           <p:nvPr>
             <p:ph idx="1" type="body"/>
@@ -2610,7 +2610,7 @@
   <p:cSld>
     <p:spTree>
       <p:nvGrpSpPr>
-        <p:cNvPr id="194" name="Shape 194"/>
+        <p:cNvPr id="199" name="Shape 199"/>
         <p:cNvGrpSpPr/>
         <p:nvPr/>
       </p:nvGrpSpPr>
@@ -2624,7 +2624,7 @@
       </p:grpSpPr>
       <p:sp>
         <p:nvSpPr>
-          <p:cNvPr id="195" name="Google Shape;195;gc538752de6_0_1276:notes"/>
+          <p:cNvPr id="200" name="Google Shape;200;gc538752de6_0_1276:notes"/>
           <p:cNvSpPr/>
           <p:nvPr>
             <p:ph idx="2" type="sldImg"/>
@@ -2659,7 +2659,7 @@
       </p:sp>
       <p:sp>
         <p:nvSpPr>
-          <p:cNvPr id="196" name="Google Shape;196;gc538752de6_0_1276:notes"/>
+          <p:cNvPr id="201" name="Google Shape;201;gc538752de6_0_1276:notes"/>
           <p:cNvSpPr txBox="1"/>
           <p:nvPr>
             <p:ph idx="1" type="body"/>
@@ -2710,7 +2710,7 @@
   <p:cSld>
     <p:spTree>
       <p:nvGrpSpPr>
-        <p:cNvPr id="200" name="Shape 200"/>
+        <p:cNvPr id="205" name="Shape 205"/>
         <p:cNvGrpSpPr/>
         <p:nvPr/>
       </p:nvGrpSpPr>
@@ -2724,7 +2724,7 @@
       </p:grpSpPr>
       <p:sp>
         <p:nvSpPr>
-          <p:cNvPr id="201" name="Google Shape;201;gc538752de6_0_1281:notes"/>
+          <p:cNvPr id="206" name="Google Shape;206;gc538752de6_0_1281:notes"/>
           <p:cNvSpPr/>
           <p:nvPr>
             <p:ph idx="2" type="sldImg"/>
@@ -2759,7 +2759,7 @@
       </p:sp>
       <p:sp>
         <p:nvSpPr>
-          <p:cNvPr id="202" name="Google Shape;202;gc538752de6_0_1281:notes"/>
+          <p:cNvPr id="207" name="Google Shape;207;gc538752de6_0_1281:notes"/>
           <p:cNvSpPr txBox="1"/>
           <p:nvPr>
             <p:ph idx="1" type="body"/>
@@ -2943,7 +2943,7 @@
   <p:cSld>
     <p:spTree>
       <p:nvGrpSpPr>
-        <p:cNvPr id="206" name="Shape 206"/>
+        <p:cNvPr id="211" name="Shape 211"/>
         <p:cNvGrpSpPr/>
         <p:nvPr/>
       </p:nvGrpSpPr>
@@ -2957,7 +2957,7 @@
       </p:grpSpPr>
       <p:sp>
         <p:nvSpPr>
-          <p:cNvPr id="207" name="Google Shape;207;gc538752de6_0_1286:notes"/>
+          <p:cNvPr id="212" name="Google Shape;212;gc538752de6_0_1286:notes"/>
           <p:cNvSpPr/>
           <p:nvPr>
             <p:ph idx="2" type="sldImg"/>
@@ -2992,7 +2992,7 @@
       </p:sp>
       <p:sp>
         <p:nvSpPr>
-          <p:cNvPr id="208" name="Google Shape;208;gc538752de6_0_1286:notes"/>
+          <p:cNvPr id="213" name="Google Shape;213;gc538752de6_0_1286:notes"/>
           <p:cNvSpPr txBox="1"/>
           <p:nvPr>
             <p:ph idx="1" type="body"/>
@@ -3619,6 +3619,23 @@
             <a:noAutofit/>
           </a:bodyPr>
           <a:lstStyle/>
+          <a:p>
+            <a:pPr indent="-298450" lvl="0" marL="457200" rtl="0" algn="l">
+              <a:spcBef>
+                <a:spcPts val="0"/>
+              </a:spcBef>
+              <a:spcAft>
+                <a:spcPts val="0"/>
+              </a:spcAft>
+              <a:buSzPts val="1100"/>
+              <a:buChar char="●"/>
+            </a:pPr>
+            <a:r>
+              <a:rPr lang="en"/>
+              <a:t>SCRAM bracelets not very accurate; may have outliers; → smoothing will help control for outliers</a:t>
+            </a:r>
+            <a:endParaRPr/>
+          </a:p>
           <a:p>
             <a:pPr indent="-298450" lvl="0" marL="457200" rtl="0" algn="l">
               <a:spcBef>
@@ -10312,7 +10329,7 @@
   <p:cSld>
     <p:spTree>
       <p:nvGrpSpPr>
-        <p:cNvPr id="131" name="Shape 131"/>
+        <p:cNvPr id="132" name="Shape 132"/>
         <p:cNvGrpSpPr/>
         <p:nvPr/>
       </p:nvGrpSpPr>
@@ -10326,7 +10343,7 @@
       </p:grpSpPr>
       <p:sp>
         <p:nvSpPr>
-          <p:cNvPr id="132" name="Google Shape;132;p22"/>
+          <p:cNvPr id="133" name="Google Shape;133;p22"/>
           <p:cNvSpPr txBox="1"/>
           <p:nvPr>
             <p:ph type="title"/>
@@ -10366,7 +10383,7 @@
       </p:sp>
       <p:sp>
         <p:nvSpPr>
-          <p:cNvPr id="133" name="Google Shape;133;p22"/>
+          <p:cNvPr id="134" name="Google Shape;134;p22"/>
           <p:cNvSpPr txBox="1"/>
           <p:nvPr>
             <p:ph idx="1" type="body"/>
@@ -10480,7 +10497,7 @@
             </a:pPr>
             <a:r>
               <a:rPr lang="en" sz="2220"/>
-              <a:t>3.5x faster</a:t>
+              <a:t>3.6x faster</a:t>
             </a:r>
             <a:endParaRPr sz="2220"/>
           </a:p>
@@ -10508,7 +10525,7 @@
       </p:sp>
       <p:sp>
         <p:nvSpPr>
-          <p:cNvPr id="134" name="Google Shape;134;p22"/>
+          <p:cNvPr id="135" name="Google Shape;135;p22"/>
           <p:cNvSpPr txBox="1"/>
           <p:nvPr>
             <p:ph idx="2" type="body"/>
@@ -11664,7 +11681,7 @@
   <p:cSld>
     <p:spTree>
       <p:nvGrpSpPr>
-        <p:cNvPr id="138" name="Shape 138"/>
+        <p:cNvPr id="139" name="Shape 139"/>
         <p:cNvGrpSpPr/>
         <p:nvPr/>
       </p:nvGrpSpPr>
@@ -11678,7 +11695,7 @@
       </p:grpSpPr>
       <p:sp>
         <p:nvSpPr>
-          <p:cNvPr id="139" name="Google Shape;139;p23"/>
+          <p:cNvPr id="140" name="Google Shape;140;p23"/>
           <p:cNvSpPr txBox="1"/>
           <p:nvPr>
             <p:ph type="title"/>
@@ -11718,7 +11735,7 @@
       </p:sp>
       <p:sp>
         <p:nvSpPr>
-          <p:cNvPr id="140" name="Google Shape;140;p23"/>
+          <p:cNvPr id="141" name="Google Shape;141;p23"/>
           <p:cNvSpPr txBox="1"/>
           <p:nvPr>
             <p:ph idx="1" type="body"/>
@@ -11826,7 +11843,7 @@
       </p:sp>
       <p:grpSp>
         <p:nvGrpSpPr>
-          <p:cNvPr id="141" name="Google Shape;141;p23"/>
+          <p:cNvPr id="142" name="Google Shape;142;p23"/>
           <p:cNvGrpSpPr/>
           <p:nvPr/>
         </p:nvGrpSpPr>
@@ -11840,7 +11857,7 @@
         </p:grpSpPr>
         <p:sp>
           <p:nvSpPr>
-            <p:cNvPr id="142" name="Google Shape;142;p23"/>
+            <p:cNvPr id="143" name="Google Shape;143;p23"/>
             <p:cNvSpPr/>
             <p:nvPr/>
           </p:nvSpPr>
@@ -11889,7 +11906,7 @@
         </p:sp>
         <p:pic>
           <p:nvPicPr>
-            <p:cNvPr id="143" name="Google Shape;143;p23"/>
+            <p:cNvPr id="144" name="Google Shape;144;p23"/>
             <p:cNvPicPr preferRelativeResize="0"/>
             <p:nvPr/>
           </p:nvPicPr>
@@ -11917,7 +11934,7 @@
       </p:grpSp>
       <p:sp>
         <p:nvSpPr>
-          <p:cNvPr id="144" name="Google Shape;144;p23"/>
+          <p:cNvPr id="145" name="Google Shape;145;p23"/>
           <p:cNvSpPr txBox="1"/>
           <p:nvPr>
             <p:ph idx="2" type="body"/>
@@ -12053,7 +12070,7 @@
   <p:cSld>
     <p:spTree>
       <p:nvGrpSpPr>
-        <p:cNvPr id="148" name="Shape 148"/>
+        <p:cNvPr id="149" name="Shape 149"/>
         <p:cNvGrpSpPr/>
         <p:nvPr/>
       </p:nvGrpSpPr>
@@ -12067,7 +12084,7 @@
       </p:grpSpPr>
       <p:sp>
         <p:nvSpPr>
-          <p:cNvPr id="149" name="Google Shape;149;p24"/>
+          <p:cNvPr id="150" name="Google Shape;150;p24"/>
           <p:cNvSpPr txBox="1"/>
           <p:nvPr>
             <p:ph type="title"/>
@@ -12107,7 +12124,7 @@
       </p:sp>
       <p:sp>
         <p:nvSpPr>
-          <p:cNvPr id="150" name="Google Shape;150;p24"/>
+          <p:cNvPr id="151" name="Google Shape;151;p24"/>
           <p:cNvSpPr txBox="1"/>
           <p:nvPr>
             <p:ph idx="1" type="body"/>
@@ -12215,7 +12232,7 @@
       </p:sp>
       <p:sp>
         <p:nvSpPr>
-          <p:cNvPr id="151" name="Google Shape;151;p24"/>
+          <p:cNvPr id="152" name="Google Shape;152;p24"/>
           <p:cNvSpPr txBox="1"/>
           <p:nvPr>
             <p:ph idx="2" type="body"/>
@@ -12283,7 +12300,7 @@
   <p:cSld>
     <p:spTree>
       <p:nvGrpSpPr>
-        <p:cNvPr id="155" name="Shape 155"/>
+        <p:cNvPr id="156" name="Shape 156"/>
         <p:cNvGrpSpPr/>
         <p:nvPr/>
       </p:nvGrpSpPr>
@@ -12297,7 +12314,7 @@
       </p:grpSpPr>
       <p:sp>
         <p:nvSpPr>
-          <p:cNvPr id="156" name="Google Shape;156;p25"/>
+          <p:cNvPr id="157" name="Google Shape;157;p25"/>
           <p:cNvSpPr txBox="1"/>
           <p:nvPr>
             <p:ph type="title"/>
@@ -12337,7 +12354,7 @@
       </p:sp>
       <p:graphicFrame>
         <p:nvGraphicFramePr>
-          <p:cNvPr id="157" name="Google Shape;157;p25"/>
+          <p:cNvPr id="158" name="Google Shape;158;p25"/>
           <p:cNvGraphicFramePr/>
           <p:nvPr/>
         </p:nvGraphicFramePr>
@@ -12350,7 +12367,7 @@
             <a:tbl>
               <a:tblPr>
                 <a:noFill/>
-                <a:tableStyleId>{25D4D183-D635-4246-BAC0-6C50193E78F5}</a:tableStyleId>
+                <a:tableStyleId>{CE9B4FD0-6CA5-4E53-A2B7-C59726ED74C4}</a:tableStyleId>
               </a:tblPr>
               <a:tblGrid>
                 <a:gridCol w="1437950"/>
@@ -20115,7 +20132,383 @@
       </p:graphicFrame>
       <p:sp>
         <p:nvSpPr>
-          <p:cNvPr id="158" name="Google Shape;158;p25"/>
+          <p:cNvPr id="159" name="Google Shape;159;p25"/>
+          <p:cNvSpPr/>
+          <p:nvPr/>
+        </p:nvSpPr>
+        <p:spPr>
+          <a:xfrm>
+            <a:off x="5190900" y="622975"/>
+            <a:ext cx="752700" cy="356100"/>
+          </a:xfrm>
+          <a:prstGeom prst="rect">
+            <a:avLst/>
+          </a:prstGeom>
+          <a:noFill/>
+          <a:ln cap="flat" cmpd="sng" w="38100">
+            <a:solidFill>
+              <a:srgbClr val="FF0000"/>
+            </a:solidFill>
+            <a:prstDash val="solid"/>
+            <a:round/>
+            <a:headEnd len="sm" w="sm" type="none"/>
+            <a:tailEnd len="sm" w="sm" type="none"/>
+          </a:ln>
+        </p:spPr>
+        <p:txBody>
+          <a:bodyPr anchorCtr="0" anchor="ctr" bIns="91425" lIns="91425" spcFirstLastPara="1" rIns="91425" wrap="square" tIns="91425">
+            <a:noAutofit/>
+          </a:bodyPr>
+          <a:lstStyle/>
+          <a:p>
+            <a:pPr indent="0" lvl="0" marL="0" rtl="0" algn="l">
+              <a:spcBef>
+                <a:spcPts val="0"/>
+              </a:spcBef>
+              <a:spcAft>
+                <a:spcPts val="0"/>
+              </a:spcAft>
+              <a:buNone/>
+            </a:pPr>
+            <a:r>
+              <a:t/>
+            </a:r>
+            <a:endParaRPr/>
+          </a:p>
+        </p:txBody>
+      </p:sp>
+      <p:sp>
+        <p:nvSpPr>
+          <p:cNvPr id="160" name="Google Shape;160;p25"/>
+          <p:cNvSpPr/>
+          <p:nvPr/>
+        </p:nvSpPr>
+        <p:spPr>
+          <a:xfrm>
+            <a:off x="5190900" y="1384975"/>
+            <a:ext cx="752700" cy="356100"/>
+          </a:xfrm>
+          <a:prstGeom prst="rect">
+            <a:avLst/>
+          </a:prstGeom>
+          <a:noFill/>
+          <a:ln cap="flat" cmpd="sng" w="38100">
+            <a:solidFill>
+              <a:srgbClr val="FF0000"/>
+            </a:solidFill>
+            <a:prstDash val="solid"/>
+            <a:round/>
+            <a:headEnd len="sm" w="sm" type="none"/>
+            <a:tailEnd len="sm" w="sm" type="none"/>
+          </a:ln>
+        </p:spPr>
+        <p:txBody>
+          <a:bodyPr anchorCtr="0" anchor="ctr" bIns="91425" lIns="91425" spcFirstLastPara="1" rIns="91425" wrap="square" tIns="91425">
+            <a:noAutofit/>
+          </a:bodyPr>
+          <a:lstStyle/>
+          <a:p>
+            <a:pPr indent="0" lvl="0" marL="0" rtl="0" algn="l">
+              <a:spcBef>
+                <a:spcPts val="0"/>
+              </a:spcBef>
+              <a:spcAft>
+                <a:spcPts val="0"/>
+              </a:spcAft>
+              <a:buNone/>
+            </a:pPr>
+            <a:r>
+              <a:t/>
+            </a:r>
+            <a:endParaRPr/>
+          </a:p>
+        </p:txBody>
+      </p:sp>
+      <p:sp>
+        <p:nvSpPr>
+          <p:cNvPr id="161" name="Google Shape;161;p25"/>
+          <p:cNvSpPr/>
+          <p:nvPr/>
+        </p:nvSpPr>
+        <p:spPr>
+          <a:xfrm>
+            <a:off x="5190900" y="3682375"/>
+            <a:ext cx="752700" cy="356100"/>
+          </a:xfrm>
+          <a:prstGeom prst="rect">
+            <a:avLst/>
+          </a:prstGeom>
+          <a:noFill/>
+          <a:ln cap="flat" cmpd="sng" w="38100">
+            <a:solidFill>
+              <a:srgbClr val="FF0000"/>
+            </a:solidFill>
+            <a:prstDash val="solid"/>
+            <a:round/>
+            <a:headEnd len="sm" w="sm" type="none"/>
+            <a:tailEnd len="sm" w="sm" type="none"/>
+          </a:ln>
+        </p:spPr>
+        <p:txBody>
+          <a:bodyPr anchorCtr="0" anchor="ctr" bIns="91425" lIns="91425" spcFirstLastPara="1" rIns="91425" wrap="square" tIns="91425">
+            <a:noAutofit/>
+          </a:bodyPr>
+          <a:lstStyle/>
+          <a:p>
+            <a:pPr indent="0" lvl="0" marL="0" rtl="0" algn="l">
+              <a:spcBef>
+                <a:spcPts val="0"/>
+              </a:spcBef>
+              <a:spcAft>
+                <a:spcPts val="0"/>
+              </a:spcAft>
+              <a:buNone/>
+            </a:pPr>
+            <a:r>
+              <a:t/>
+            </a:r>
+            <a:endParaRPr/>
+          </a:p>
+        </p:txBody>
+      </p:sp>
+      <p:sp>
+        <p:nvSpPr>
+          <p:cNvPr id="162" name="Google Shape;162;p25"/>
+          <p:cNvSpPr/>
+          <p:nvPr/>
+        </p:nvSpPr>
+        <p:spPr>
+          <a:xfrm>
+            <a:off x="5190900" y="4490500"/>
+            <a:ext cx="752700" cy="356100"/>
+          </a:xfrm>
+          <a:prstGeom prst="rect">
+            <a:avLst/>
+          </a:prstGeom>
+          <a:noFill/>
+          <a:ln cap="flat" cmpd="sng" w="38100">
+            <a:solidFill>
+              <a:srgbClr val="FF0000"/>
+            </a:solidFill>
+            <a:prstDash val="solid"/>
+            <a:round/>
+            <a:headEnd len="sm" w="sm" type="none"/>
+            <a:tailEnd len="sm" w="sm" type="none"/>
+          </a:ln>
+        </p:spPr>
+        <p:txBody>
+          <a:bodyPr anchorCtr="0" anchor="ctr" bIns="91425" lIns="91425" spcFirstLastPara="1" rIns="91425" wrap="square" tIns="91425">
+            <a:noAutofit/>
+          </a:bodyPr>
+          <a:lstStyle/>
+          <a:p>
+            <a:pPr indent="0" lvl="0" marL="0" rtl="0" algn="l">
+              <a:spcBef>
+                <a:spcPts val="0"/>
+              </a:spcBef>
+              <a:spcAft>
+                <a:spcPts val="0"/>
+              </a:spcAft>
+              <a:buNone/>
+            </a:pPr>
+            <a:r>
+              <a:t/>
+            </a:r>
+            <a:endParaRPr/>
+          </a:p>
+        </p:txBody>
+      </p:sp>
+      <p:sp>
+        <p:nvSpPr>
+          <p:cNvPr id="163" name="Google Shape;163;p25"/>
+          <p:cNvSpPr/>
+          <p:nvPr/>
+        </p:nvSpPr>
+        <p:spPr>
+          <a:xfrm>
+            <a:off x="5979550" y="622975"/>
+            <a:ext cx="752700" cy="356100"/>
+          </a:xfrm>
+          <a:prstGeom prst="rect">
+            <a:avLst/>
+          </a:prstGeom>
+          <a:noFill/>
+          <a:ln cap="flat" cmpd="sng" w="38100">
+            <a:solidFill>
+              <a:srgbClr val="FF0000"/>
+            </a:solidFill>
+            <a:prstDash val="solid"/>
+            <a:round/>
+            <a:headEnd len="sm" w="sm" type="none"/>
+            <a:tailEnd len="sm" w="sm" type="none"/>
+          </a:ln>
+        </p:spPr>
+        <p:txBody>
+          <a:bodyPr anchorCtr="0" anchor="ctr" bIns="91425" lIns="91425" spcFirstLastPara="1" rIns="91425" wrap="square" tIns="91425">
+            <a:noAutofit/>
+          </a:bodyPr>
+          <a:lstStyle/>
+          <a:p>
+            <a:pPr indent="0" lvl="0" marL="0" rtl="0" algn="l">
+              <a:spcBef>
+                <a:spcPts val="0"/>
+              </a:spcBef>
+              <a:spcAft>
+                <a:spcPts val="0"/>
+              </a:spcAft>
+              <a:buNone/>
+            </a:pPr>
+            <a:r>
+              <a:t/>
+            </a:r>
+            <a:endParaRPr/>
+          </a:p>
+        </p:txBody>
+      </p:sp>
+      <p:sp>
+        <p:nvSpPr>
+          <p:cNvPr id="164" name="Google Shape;164;p25"/>
+          <p:cNvSpPr/>
+          <p:nvPr/>
+        </p:nvSpPr>
+        <p:spPr>
+          <a:xfrm>
+            <a:off x="5979550" y="1384975"/>
+            <a:ext cx="752700" cy="356100"/>
+          </a:xfrm>
+          <a:prstGeom prst="rect">
+            <a:avLst/>
+          </a:prstGeom>
+          <a:noFill/>
+          <a:ln cap="flat" cmpd="sng" w="38100">
+            <a:solidFill>
+              <a:srgbClr val="FF0000"/>
+            </a:solidFill>
+            <a:prstDash val="solid"/>
+            <a:round/>
+            <a:headEnd len="sm" w="sm" type="none"/>
+            <a:tailEnd len="sm" w="sm" type="none"/>
+          </a:ln>
+        </p:spPr>
+        <p:txBody>
+          <a:bodyPr anchorCtr="0" anchor="ctr" bIns="91425" lIns="91425" spcFirstLastPara="1" rIns="91425" wrap="square" tIns="91425">
+            <a:noAutofit/>
+          </a:bodyPr>
+          <a:lstStyle/>
+          <a:p>
+            <a:pPr indent="0" lvl="0" marL="0" rtl="0" algn="l">
+              <a:spcBef>
+                <a:spcPts val="0"/>
+              </a:spcBef>
+              <a:spcAft>
+                <a:spcPts val="0"/>
+              </a:spcAft>
+              <a:buNone/>
+            </a:pPr>
+            <a:r>
+              <a:t/>
+            </a:r>
+            <a:endParaRPr/>
+          </a:p>
+        </p:txBody>
+      </p:sp>
+      <p:sp>
+        <p:nvSpPr>
+          <p:cNvPr id="165" name="Google Shape;165;p25"/>
+          <p:cNvSpPr/>
+          <p:nvPr/>
+        </p:nvSpPr>
+        <p:spPr>
+          <a:xfrm>
+            <a:off x="5979550" y="3682375"/>
+            <a:ext cx="752700" cy="356100"/>
+          </a:xfrm>
+          <a:prstGeom prst="rect">
+            <a:avLst/>
+          </a:prstGeom>
+          <a:noFill/>
+          <a:ln cap="flat" cmpd="sng" w="38100">
+            <a:solidFill>
+              <a:srgbClr val="FF0000"/>
+            </a:solidFill>
+            <a:prstDash val="solid"/>
+            <a:round/>
+            <a:headEnd len="sm" w="sm" type="none"/>
+            <a:tailEnd len="sm" w="sm" type="none"/>
+          </a:ln>
+        </p:spPr>
+        <p:txBody>
+          <a:bodyPr anchorCtr="0" anchor="ctr" bIns="91425" lIns="91425" spcFirstLastPara="1" rIns="91425" wrap="square" tIns="91425">
+            <a:noAutofit/>
+          </a:bodyPr>
+          <a:lstStyle/>
+          <a:p>
+            <a:pPr indent="0" lvl="0" marL="0" rtl="0" algn="l">
+              <a:spcBef>
+                <a:spcPts val="0"/>
+              </a:spcBef>
+              <a:spcAft>
+                <a:spcPts val="0"/>
+              </a:spcAft>
+              <a:buNone/>
+            </a:pPr>
+            <a:r>
+              <a:t/>
+            </a:r>
+            <a:endParaRPr/>
+          </a:p>
+        </p:txBody>
+      </p:sp>
+      <p:sp>
+        <p:nvSpPr>
+          <p:cNvPr id="166" name="Google Shape;166;p25"/>
+          <p:cNvSpPr/>
+          <p:nvPr/>
+        </p:nvSpPr>
+        <p:spPr>
+          <a:xfrm>
+            <a:off x="5979550" y="4490500"/>
+            <a:ext cx="752700" cy="356100"/>
+          </a:xfrm>
+          <a:prstGeom prst="rect">
+            <a:avLst/>
+          </a:prstGeom>
+          <a:noFill/>
+          <a:ln cap="flat" cmpd="sng" w="38100">
+            <a:solidFill>
+              <a:srgbClr val="FF0000"/>
+            </a:solidFill>
+            <a:prstDash val="solid"/>
+            <a:round/>
+            <a:headEnd len="sm" w="sm" type="none"/>
+            <a:tailEnd len="sm" w="sm" type="none"/>
+          </a:ln>
+        </p:spPr>
+        <p:txBody>
+          <a:bodyPr anchorCtr="0" anchor="ctr" bIns="91425" lIns="91425" spcFirstLastPara="1" rIns="91425" wrap="square" tIns="91425">
+            <a:noAutofit/>
+          </a:bodyPr>
+          <a:lstStyle/>
+          <a:p>
+            <a:pPr indent="0" lvl="0" marL="0" rtl="0" algn="l">
+              <a:spcBef>
+                <a:spcPts val="0"/>
+              </a:spcBef>
+              <a:spcAft>
+                <a:spcPts val="0"/>
+              </a:spcAft>
+              <a:buNone/>
+            </a:pPr>
+            <a:r>
+              <a:t/>
+            </a:r>
+            <a:endParaRPr/>
+          </a:p>
+        </p:txBody>
+      </p:sp>
+      <p:sp>
+        <p:nvSpPr>
+          <p:cNvPr id="167" name="Google Shape;167;p25"/>
           <p:cNvSpPr/>
           <p:nvPr/>
         </p:nvSpPr>
@@ -20162,7 +20555,7 @@
       </p:sp>
       <p:sp>
         <p:nvSpPr>
-          <p:cNvPr id="159" name="Google Shape;159;p25"/>
+          <p:cNvPr id="168" name="Google Shape;168;p25"/>
           <p:cNvSpPr/>
           <p:nvPr/>
         </p:nvSpPr>
@@ -20209,7 +20602,7 @@
       </p:sp>
       <p:sp>
         <p:nvSpPr>
-          <p:cNvPr id="160" name="Google Shape;160;p25"/>
+          <p:cNvPr id="169" name="Google Shape;169;p25"/>
           <p:cNvSpPr/>
           <p:nvPr/>
         </p:nvSpPr>
@@ -20256,7 +20649,7 @@
       </p:sp>
       <p:sp>
         <p:nvSpPr>
-          <p:cNvPr id="161" name="Google Shape;161;p25"/>
+          <p:cNvPr id="170" name="Google Shape;170;p25"/>
           <p:cNvSpPr/>
           <p:nvPr/>
         </p:nvSpPr>
@@ -20301,194 +20694,6 @@
           </a:p>
         </p:txBody>
       </p:sp>
-      <p:sp>
-        <p:nvSpPr>
-          <p:cNvPr id="162" name="Google Shape;162;p25"/>
-          <p:cNvSpPr/>
-          <p:nvPr/>
-        </p:nvSpPr>
-        <p:spPr>
-          <a:xfrm>
-            <a:off x="5979550" y="622975"/>
-            <a:ext cx="752700" cy="356100"/>
-          </a:xfrm>
-          <a:prstGeom prst="rect">
-            <a:avLst/>
-          </a:prstGeom>
-          <a:noFill/>
-          <a:ln cap="flat" cmpd="sng" w="38100">
-            <a:solidFill>
-              <a:srgbClr val="FF0000"/>
-            </a:solidFill>
-            <a:prstDash val="solid"/>
-            <a:round/>
-            <a:headEnd len="sm" w="sm" type="none"/>
-            <a:tailEnd len="sm" w="sm" type="none"/>
-          </a:ln>
-        </p:spPr>
-        <p:txBody>
-          <a:bodyPr anchorCtr="0" anchor="ctr" bIns="91425" lIns="91425" spcFirstLastPara="1" rIns="91425" wrap="square" tIns="91425">
-            <a:noAutofit/>
-          </a:bodyPr>
-          <a:lstStyle/>
-          <a:p>
-            <a:pPr indent="0" lvl="0" marL="0" rtl="0" algn="l">
-              <a:spcBef>
-                <a:spcPts val="0"/>
-              </a:spcBef>
-              <a:spcAft>
-                <a:spcPts val="0"/>
-              </a:spcAft>
-              <a:buNone/>
-            </a:pPr>
-            <a:r>
-              <a:t/>
-            </a:r>
-            <a:endParaRPr/>
-          </a:p>
-        </p:txBody>
-      </p:sp>
-      <p:sp>
-        <p:nvSpPr>
-          <p:cNvPr id="163" name="Google Shape;163;p25"/>
-          <p:cNvSpPr/>
-          <p:nvPr/>
-        </p:nvSpPr>
-        <p:spPr>
-          <a:xfrm>
-            <a:off x="5979550" y="1384975"/>
-            <a:ext cx="752700" cy="356100"/>
-          </a:xfrm>
-          <a:prstGeom prst="rect">
-            <a:avLst/>
-          </a:prstGeom>
-          <a:noFill/>
-          <a:ln cap="flat" cmpd="sng" w="38100">
-            <a:solidFill>
-              <a:srgbClr val="FF0000"/>
-            </a:solidFill>
-            <a:prstDash val="solid"/>
-            <a:round/>
-            <a:headEnd len="sm" w="sm" type="none"/>
-            <a:tailEnd len="sm" w="sm" type="none"/>
-          </a:ln>
-        </p:spPr>
-        <p:txBody>
-          <a:bodyPr anchorCtr="0" anchor="ctr" bIns="91425" lIns="91425" spcFirstLastPara="1" rIns="91425" wrap="square" tIns="91425">
-            <a:noAutofit/>
-          </a:bodyPr>
-          <a:lstStyle/>
-          <a:p>
-            <a:pPr indent="0" lvl="0" marL="0" rtl="0" algn="l">
-              <a:spcBef>
-                <a:spcPts val="0"/>
-              </a:spcBef>
-              <a:spcAft>
-                <a:spcPts val="0"/>
-              </a:spcAft>
-              <a:buNone/>
-            </a:pPr>
-            <a:r>
-              <a:t/>
-            </a:r>
-            <a:endParaRPr/>
-          </a:p>
-        </p:txBody>
-      </p:sp>
-      <p:sp>
-        <p:nvSpPr>
-          <p:cNvPr id="164" name="Google Shape;164;p25"/>
-          <p:cNvSpPr/>
-          <p:nvPr/>
-        </p:nvSpPr>
-        <p:spPr>
-          <a:xfrm>
-            <a:off x="5979550" y="3682375"/>
-            <a:ext cx="752700" cy="356100"/>
-          </a:xfrm>
-          <a:prstGeom prst="rect">
-            <a:avLst/>
-          </a:prstGeom>
-          <a:noFill/>
-          <a:ln cap="flat" cmpd="sng" w="38100">
-            <a:solidFill>
-              <a:srgbClr val="FF0000"/>
-            </a:solidFill>
-            <a:prstDash val="solid"/>
-            <a:round/>
-            <a:headEnd len="sm" w="sm" type="none"/>
-            <a:tailEnd len="sm" w="sm" type="none"/>
-          </a:ln>
-        </p:spPr>
-        <p:txBody>
-          <a:bodyPr anchorCtr="0" anchor="ctr" bIns="91425" lIns="91425" spcFirstLastPara="1" rIns="91425" wrap="square" tIns="91425">
-            <a:noAutofit/>
-          </a:bodyPr>
-          <a:lstStyle/>
-          <a:p>
-            <a:pPr indent="0" lvl="0" marL="0" rtl="0" algn="l">
-              <a:spcBef>
-                <a:spcPts val="0"/>
-              </a:spcBef>
-              <a:spcAft>
-                <a:spcPts val="0"/>
-              </a:spcAft>
-              <a:buNone/>
-            </a:pPr>
-            <a:r>
-              <a:t/>
-            </a:r>
-            <a:endParaRPr/>
-          </a:p>
-        </p:txBody>
-      </p:sp>
-      <p:sp>
-        <p:nvSpPr>
-          <p:cNvPr id="165" name="Google Shape;165;p25"/>
-          <p:cNvSpPr/>
-          <p:nvPr/>
-        </p:nvSpPr>
-        <p:spPr>
-          <a:xfrm>
-            <a:off x="5979550" y="4490500"/>
-            <a:ext cx="752700" cy="356100"/>
-          </a:xfrm>
-          <a:prstGeom prst="rect">
-            <a:avLst/>
-          </a:prstGeom>
-          <a:noFill/>
-          <a:ln cap="flat" cmpd="sng" w="38100">
-            <a:solidFill>
-              <a:srgbClr val="FF0000"/>
-            </a:solidFill>
-            <a:prstDash val="solid"/>
-            <a:round/>
-            <a:headEnd len="sm" w="sm" type="none"/>
-            <a:tailEnd len="sm" w="sm" type="none"/>
-          </a:ln>
-        </p:spPr>
-        <p:txBody>
-          <a:bodyPr anchorCtr="0" anchor="ctr" bIns="91425" lIns="91425" spcFirstLastPara="1" rIns="91425" wrap="square" tIns="91425">
-            <a:noAutofit/>
-          </a:bodyPr>
-          <a:lstStyle/>
-          <a:p>
-            <a:pPr indent="0" lvl="0" marL="0" rtl="0" algn="l">
-              <a:spcBef>
-                <a:spcPts val="0"/>
-              </a:spcBef>
-              <a:spcAft>
-                <a:spcPts val="0"/>
-              </a:spcAft>
-              <a:buNone/>
-            </a:pPr>
-            <a:r>
-              <a:t/>
-            </a:r>
-            <a:endParaRPr/>
-          </a:p>
-        </p:txBody>
-      </p:sp>
     </p:spTree>
   </p:cSld>
   <p:clrMapOvr>
@@ -20502,7 +20707,7 @@
   <p:cSld>
     <p:spTree>
       <p:nvGrpSpPr>
-        <p:cNvPr id="169" name="Shape 169"/>
+        <p:cNvPr id="174" name="Shape 174"/>
         <p:cNvGrpSpPr/>
         <p:nvPr/>
       </p:nvGrpSpPr>
@@ -20516,7 +20721,7 @@
       </p:grpSpPr>
       <p:sp>
         <p:nvSpPr>
-          <p:cNvPr id="170" name="Google Shape;170;p26"/>
+          <p:cNvPr id="175" name="Google Shape;175;p26"/>
           <p:cNvSpPr txBox="1"/>
           <p:nvPr>
             <p:ph type="title"/>
@@ -20556,7 +20761,7 @@
       </p:sp>
       <p:sp>
         <p:nvSpPr>
-          <p:cNvPr id="171" name="Google Shape;171;p26"/>
+          <p:cNvPr id="176" name="Google Shape;176;p26"/>
           <p:cNvSpPr txBox="1"/>
           <p:nvPr>
             <p:ph idx="1" type="body"/>
@@ -20595,7 +20800,7 @@
       </p:sp>
       <p:pic>
         <p:nvPicPr>
-          <p:cNvPr id="172" name="Google Shape;172;p26"/>
+          <p:cNvPr id="177" name="Google Shape;177;p26"/>
           <p:cNvPicPr preferRelativeResize="0"/>
           <p:nvPr/>
         </p:nvPicPr>
@@ -20623,7 +20828,7 @@
       </p:pic>
       <p:pic>
         <p:nvPicPr>
-          <p:cNvPr id="173" name="Google Shape;173;p26"/>
+          <p:cNvPr id="178" name="Google Shape;178;p26"/>
           <p:cNvPicPr preferRelativeResize="0"/>
           <p:nvPr/>
         </p:nvPicPr>
@@ -20662,7 +20867,7 @@
   <p:cSld>
     <p:spTree>
       <p:nvGrpSpPr>
-        <p:cNvPr id="177" name="Shape 177"/>
+        <p:cNvPr id="182" name="Shape 182"/>
         <p:cNvGrpSpPr/>
         <p:nvPr/>
       </p:nvGrpSpPr>
@@ -20676,7 +20881,7 @@
       </p:grpSpPr>
       <p:sp>
         <p:nvSpPr>
-          <p:cNvPr id="178" name="Google Shape;178;p27"/>
+          <p:cNvPr id="183" name="Google Shape;183;p27"/>
           <p:cNvSpPr txBox="1"/>
           <p:nvPr>
             <p:ph type="title"/>
@@ -20732,7 +20937,7 @@
       </p:sp>
       <p:sp>
         <p:nvSpPr>
-          <p:cNvPr id="179" name="Google Shape;179;p27"/>
+          <p:cNvPr id="184" name="Google Shape;184;p27"/>
           <p:cNvSpPr txBox="1"/>
           <p:nvPr>
             <p:ph idx="1" type="body"/>
@@ -20771,7 +20976,7 @@
       </p:sp>
       <p:sp>
         <p:nvSpPr>
-          <p:cNvPr id="180" name="Google Shape;180;p27"/>
+          <p:cNvPr id="185" name="Google Shape;185;p27"/>
           <p:cNvSpPr/>
           <p:nvPr/>
         </p:nvSpPr>
@@ -20820,7 +21025,7 @@
       </p:sp>
       <p:pic>
         <p:nvPicPr>
-          <p:cNvPr id="181" name="Google Shape;181;p27"/>
+          <p:cNvPr id="186" name="Google Shape;186;p27"/>
           <p:cNvPicPr preferRelativeResize="0"/>
           <p:nvPr/>
         </p:nvPicPr>
@@ -20859,7 +21064,7 @@
   <p:cSld>
     <p:spTree>
       <p:nvGrpSpPr>
-        <p:cNvPr id="185" name="Shape 185"/>
+        <p:cNvPr id="190" name="Shape 190"/>
         <p:cNvGrpSpPr/>
         <p:nvPr/>
       </p:nvGrpSpPr>
@@ -20873,7 +21078,7 @@
       </p:grpSpPr>
       <p:sp>
         <p:nvSpPr>
-          <p:cNvPr id="186" name="Google Shape;186;p28"/>
+          <p:cNvPr id="191" name="Google Shape;191;p28"/>
           <p:cNvSpPr txBox="1"/>
           <p:nvPr>
             <p:ph type="title"/>
@@ -20913,7 +21118,7 @@
       </p:sp>
       <p:sp>
         <p:nvSpPr>
-          <p:cNvPr id="187" name="Google Shape;187;p28"/>
+          <p:cNvPr id="192" name="Google Shape;192;p28"/>
           <p:cNvSpPr txBox="1"/>
           <p:nvPr>
             <p:ph idx="1" type="body"/>
@@ -21045,7 +21250,7 @@
   <p:cSld>
     <p:spTree>
       <p:nvGrpSpPr>
-        <p:cNvPr id="191" name="Shape 191"/>
+        <p:cNvPr id="196" name="Shape 196"/>
         <p:cNvGrpSpPr/>
         <p:nvPr/>
       </p:nvGrpSpPr>
@@ -21059,7 +21264,7 @@
       </p:grpSpPr>
       <p:sp>
         <p:nvSpPr>
-          <p:cNvPr id="192" name="Google Shape;192;p29"/>
+          <p:cNvPr id="197" name="Google Shape;197;p29"/>
           <p:cNvSpPr txBox="1"/>
           <p:nvPr>
             <p:ph type="title"/>
@@ -21099,7 +21304,7 @@
       </p:sp>
       <p:sp>
         <p:nvSpPr>
-          <p:cNvPr id="193" name="Google Shape;193;p29"/>
+          <p:cNvPr id="198" name="Google Shape;198;p29"/>
           <p:cNvSpPr txBox="1"/>
           <p:nvPr>
             <p:ph idx="1" type="body"/>
@@ -21132,7 +21337,7 @@
             </a:pPr>
             <a:r>
               <a:rPr lang="en" sz="2400"/>
-              <a:t>RF Classifier - additional tuning</a:t>
+              <a:t>Rewrite featurization step - feature reduction</a:t>
             </a:r>
             <a:endParaRPr sz="2400"/>
           </a:p>
@@ -21149,15 +21354,7 @@
             </a:pPr>
             <a:r>
               <a:rPr lang="en" sz="2400"/>
-              <a:t>XGB Classifier - additional tuning, cap n_estimators </a:t>
-            </a:r>
-            <a:r>
-              <a:rPr lang="en" sz="2400" u="sng"/>
-              <a:t>&lt;</a:t>
-            </a:r>
-            <a:r>
-              <a:rPr lang="en" sz="2400"/>
-              <a:t> 100</a:t>
+              <a:t>RF Classifier - additional tuning</a:t>
             </a:r>
             <a:endParaRPr sz="2400"/>
           </a:p>
@@ -21174,11 +21371,15 @@
             </a:pPr>
             <a:r>
               <a:rPr lang="en" sz="2400"/>
-              <a:t>Rew</a:t>
+              <a:t>XGB Classifier - additional tuning, cap n_estimators </a:t>
+            </a:r>
+            <a:r>
+              <a:rPr lang="en" sz="2400" u="sng"/>
+              <a:t>&lt;</a:t>
             </a:r>
             <a:r>
               <a:rPr lang="en" sz="2400"/>
-              <a:t>rite featurization step - feature reduction</a:t>
+              <a:t> 100</a:t>
             </a:r>
             <a:endParaRPr sz="2400"/>
           </a:p>
@@ -21248,7 +21449,7 @@
   <p:cSld>
     <p:spTree>
       <p:nvGrpSpPr>
-        <p:cNvPr id="197" name="Shape 197"/>
+        <p:cNvPr id="202" name="Shape 202"/>
         <p:cNvGrpSpPr/>
         <p:nvPr/>
       </p:nvGrpSpPr>
@@ -21262,7 +21463,7 @@
       </p:grpSpPr>
       <p:sp>
         <p:nvSpPr>
-          <p:cNvPr id="198" name="Google Shape;198;p30"/>
+          <p:cNvPr id="203" name="Google Shape;203;p30"/>
           <p:cNvSpPr txBox="1"/>
           <p:nvPr>
             <p:ph type="title"/>
@@ -21302,7 +21503,7 @@
       </p:sp>
       <p:sp>
         <p:nvSpPr>
-          <p:cNvPr id="199" name="Google Shape;199;p30"/>
+          <p:cNvPr id="204" name="Google Shape;204;p30"/>
           <p:cNvSpPr txBox="1"/>
           <p:nvPr>
             <p:ph idx="1" type="body"/>
@@ -21401,7 +21602,7 @@
   <p:cSld>
     <p:spTree>
       <p:nvGrpSpPr>
-        <p:cNvPr id="203" name="Shape 203"/>
+        <p:cNvPr id="208" name="Shape 208"/>
         <p:cNvGrpSpPr/>
         <p:nvPr/>
       </p:nvGrpSpPr>
@@ -21415,7 +21616,7 @@
       </p:grpSpPr>
       <p:sp>
         <p:nvSpPr>
-          <p:cNvPr id="204" name="Google Shape;204;p31"/>
+          <p:cNvPr id="209" name="Google Shape;209;p31"/>
           <p:cNvSpPr txBox="1"/>
           <p:nvPr>
             <p:ph type="title"/>
@@ -21455,7 +21656,7 @@
       </p:sp>
       <p:sp>
         <p:nvSpPr>
-          <p:cNvPr id="205" name="Google Shape;205;p31"/>
+          <p:cNvPr id="210" name="Google Shape;210;p31"/>
           <p:cNvSpPr txBox="1"/>
           <p:nvPr>
             <p:ph idx="1" type="body"/>
@@ -21695,7 +21896,7 @@
   <p:cSld>
     <p:spTree>
       <p:nvGrpSpPr>
-        <p:cNvPr id="209" name="Shape 209"/>
+        <p:cNvPr id="214" name="Shape 214"/>
         <p:cNvGrpSpPr/>
         <p:nvPr/>
       </p:nvGrpSpPr>
@@ -21709,7 +21910,7 @@
       </p:grpSpPr>
       <p:sp>
         <p:nvSpPr>
-          <p:cNvPr id="210" name="Google Shape;210;p32"/>
+          <p:cNvPr id="215" name="Google Shape;215;p32"/>
           <p:cNvSpPr txBox="1"/>
           <p:nvPr>
             <p:ph type="title"/>
@@ -22178,7 +22379,7 @@
             <a:tbl>
               <a:tblPr>
                 <a:noFill/>
-                <a:tableStyleId>{25D4D183-D635-4246-BAC0-6C50193E78F5}</a:tableStyleId>
+                <a:tableStyleId>{CE9B4FD0-6CA5-4E53-A2B7-C59726ED74C4}</a:tableStyleId>
               </a:tblPr>
               <a:tblGrid>
                 <a:gridCol w="295275"/>
@@ -24841,7 +25042,7 @@
             <a:tbl>
               <a:tblPr>
                 <a:noFill/>
-                <a:tableStyleId>{25D4D183-D635-4246-BAC0-6C50193E78F5}</a:tableStyleId>
+                <a:tableStyleId>{CE9B4FD0-6CA5-4E53-A2B7-C59726ED74C4}</a:tableStyleId>
               </a:tblPr>
               <a:tblGrid>
                 <a:gridCol w="161925"/>
@@ -26990,7 +27191,47 @@
             </a:pPr>
             <a:r>
               <a:rPr lang="en" sz="2400"/>
-              <a:t>Mean, Standard Deviation, Variance, Median, Max &amp; Min (of raw &amp; absolute signal), Skew, Kurtosis, Zero Crossing Rate, Gait stretch, Number of steps,  Step Time, Root Mean Squared, Average Resultant Acceleration, partial derivatives of each axes</a:t>
+              <a:t>Mean</a:t>
+            </a:r>
+            <a:r>
+              <a:rPr lang="en" sz="2400"/>
+              <a:t>, </a:t>
+            </a:r>
+            <a:r>
+              <a:rPr lang="en" sz="2400"/>
+              <a:t>Standard Deviation</a:t>
+            </a:r>
+            <a:r>
+              <a:rPr lang="en" sz="2400"/>
+              <a:t>, </a:t>
+            </a:r>
+            <a:r>
+              <a:rPr lang="en" sz="2400"/>
+              <a:t>Variance</a:t>
+            </a:r>
+            <a:r>
+              <a:rPr lang="en" sz="2400"/>
+              <a:t>, </a:t>
+            </a:r>
+            <a:r>
+              <a:rPr lang="en" sz="2400"/>
+              <a:t>Median</a:t>
+            </a:r>
+            <a:r>
+              <a:rPr lang="en" sz="2400"/>
+              <a:t>, </a:t>
+            </a:r>
+            <a:r>
+              <a:rPr lang="en" sz="2400"/>
+              <a:t>Max &amp; Min (of raw &amp; absolute signal)</a:t>
+            </a:r>
+            <a:r>
+              <a:rPr lang="en" sz="2400"/>
+              <a:t>, </a:t>
+            </a:r>
+            <a:r>
+              <a:rPr lang="en" sz="2400"/>
+              <a:t>Skew, Kurtosis, Zero Crossing Rate, Gait stretch, Number of steps,  Step Time, Root Mean Squared, Average Resultant Acceleration, partial derivatives of each axes</a:t>
             </a:r>
             <a:endParaRPr sz="2400"/>
           </a:p>
@@ -27303,8 +27544,8 @@
         </p:nvSpPr>
         <p:spPr>
           <a:xfrm>
-            <a:off x="387900" y="1489824"/>
-            <a:ext cx="8368200" cy="3078900"/>
+            <a:off x="387900" y="1489825"/>
+            <a:ext cx="6499800" cy="3078900"/>
           </a:xfrm>
           <a:prstGeom prst="rect">
             <a:avLst/>
@@ -27316,109 +27557,1286 @@
           </a:bodyPr>
           <a:lstStyle/>
           <a:p>
-            <a:pPr indent="-381000" lvl="0" marL="457200" rtl="0" algn="l">
-              <a:spcBef>
-                <a:spcPts val="0"/>
-              </a:spcBef>
-              <a:spcAft>
-                <a:spcPts val="0"/>
-              </a:spcAft>
-              <a:buSzPts val="2400"/>
+            <a:pPr indent="-355600" lvl="0" marL="457200" rtl="0" algn="l">
+              <a:spcBef>
+                <a:spcPts val="0"/>
+              </a:spcBef>
+              <a:spcAft>
+                <a:spcPts val="0"/>
+              </a:spcAft>
+              <a:buSzPts val="2000"/>
               <a:buChar char="●"/>
             </a:pPr>
             <a:r>
-              <a:rPr lang="en" sz="2400"/>
+              <a:rPr lang="en" sz="2000"/>
               <a:t>23 million rows to featurize</a:t>
             </a:r>
-            <a:endParaRPr sz="2400"/>
+            <a:endParaRPr sz="2000"/>
           </a:p>
           <a:p>
-            <a:pPr indent="-381000" lvl="1" marL="914400" rtl="0" algn="l">
-              <a:spcBef>
-                <a:spcPts val="0"/>
-              </a:spcBef>
-              <a:spcAft>
-                <a:spcPts val="0"/>
-              </a:spcAft>
-              <a:buSzPts val="2400"/>
+            <a:pPr indent="-355600" lvl="1" marL="914400" rtl="0" algn="l">
+              <a:spcBef>
+                <a:spcPts val="0"/>
+              </a:spcBef>
+              <a:spcAft>
+                <a:spcPts val="0"/>
+              </a:spcAft>
+              <a:buSzPts val="2000"/>
               <a:buChar char="○"/>
             </a:pPr>
             <a:r>
-              <a:rPr lang="en" sz="2400"/>
-              <a:t>13 dataframes (1 per person) x 2 (raw vs smoothed)</a:t>
-            </a:r>
-            <a:endParaRPr sz="2400"/>
+              <a:rPr lang="en" sz="2000"/>
+              <a:t>13 dataframes (1 per person) </a:t>
+            </a:r>
+            <a:endParaRPr sz="2000"/>
           </a:p>
           <a:p>
-            <a:pPr indent="-381000" lvl="0" marL="457200" rtl="0" algn="l">
-              <a:spcBef>
-                <a:spcPts val="0"/>
-              </a:spcBef>
-              <a:spcAft>
-                <a:spcPts val="0"/>
-              </a:spcAft>
-              <a:buSzPts val="2400"/>
-              <a:buChar char="●"/>
+            <a:pPr indent="-355600" lvl="1" marL="914400" rtl="0" algn="l">
+              <a:spcBef>
+                <a:spcPts val="0"/>
+              </a:spcBef>
+              <a:spcAft>
+                <a:spcPts val="0"/>
+              </a:spcAft>
+              <a:buSzPts val="2000"/>
+              <a:buChar char="○"/>
             </a:pPr>
             <a:r>
-              <a:rPr lang="en" sz="2400"/>
-              <a:t>Time taken to featurize:</a:t>
-            </a:r>
-            <a:endParaRPr sz="2400"/>
+              <a:rPr lang="en" sz="2000"/>
+              <a:t>2 datasets (raw vs smoothed)</a:t>
+            </a:r>
+            <a:endParaRPr sz="2000"/>
           </a:p>
           <a:p>
-            <a:pPr indent="-381000" lvl="1" marL="914400" rtl="0" algn="l">
-              <a:spcBef>
-                <a:spcPts val="0"/>
-              </a:spcBef>
-              <a:spcAft>
-                <a:spcPts val="0"/>
-              </a:spcAft>
-              <a:buSzPts val="2400"/>
-              <a:buChar char="○"/>
+            <a:pPr indent="0" lvl="0" marL="0" rtl="0" algn="l">
+              <a:spcBef>
+                <a:spcPts val="1200"/>
+              </a:spcBef>
+              <a:spcAft>
+                <a:spcPts val="1200"/>
+              </a:spcAft>
+              <a:buNone/>
             </a:pPr>
             <a:r>
-              <a:rPr lang="en" sz="2400"/>
-              <a:t>10,000 rows - 127 seconds</a:t>
-            </a:r>
-            <a:endParaRPr sz="2400"/>
-          </a:p>
-          <a:p>
-            <a:pPr indent="-381000" lvl="1" marL="914400" rtl="0" algn="l">
-              <a:spcBef>
-                <a:spcPts val="0"/>
-              </a:spcBef>
-              <a:spcAft>
-                <a:spcPts val="0"/>
-              </a:spcAft>
-              <a:buSzPts val="2400"/>
-              <a:buChar char="○"/>
-            </a:pPr>
-            <a:r>
-              <a:rPr lang="en" sz="2400"/>
-              <a:t>447423 rows - 3414 seconds</a:t>
-            </a:r>
-            <a:endParaRPr sz="2400"/>
-          </a:p>
-          <a:p>
-            <a:pPr indent="-381000" lvl="1" marL="914400" rtl="0" algn="l">
-              <a:spcBef>
-                <a:spcPts val="0"/>
-              </a:spcBef>
-              <a:spcAft>
-                <a:spcPts val="0"/>
-              </a:spcAft>
-              <a:buSzPts val="2400"/>
-              <a:buChar char="○"/>
-            </a:pPr>
-            <a:r>
-              <a:rPr lang="en" sz="2400"/>
-              <a:t>(23 million rows - 48.2 hours!)</a:t>
-            </a:r>
-            <a:endParaRPr sz="2400"/>
+              <a:t/>
+            </a:r>
+            <a:endParaRPr sz="2000"/>
           </a:p>
         </p:txBody>
       </p:sp>
+      <p:graphicFrame>
+        <p:nvGraphicFramePr>
+          <p:cNvPr id="128" name="Google Shape;128;p21"/>
+          <p:cNvGraphicFramePr/>
+          <p:nvPr/>
+        </p:nvGraphicFramePr>
+        <p:xfrm>
+          <a:off x="588888" y="2734013"/>
+          <a:ext cx="3000000" cy="3000000"/>
+        </p:xfrm>
+        <a:graphic>
+          <a:graphicData uri="http://schemas.openxmlformats.org/drawingml/2006/table">
+            <a:tbl>
+              <a:tblPr>
+                <a:noFill/>
+                <a:tableStyleId>{CE9B4FD0-6CA5-4E53-A2B7-C59726ED74C4}</a:tableStyleId>
+              </a:tblPr>
+              <a:tblGrid>
+                <a:gridCol w="1991550"/>
+                <a:gridCol w="1991550"/>
+                <a:gridCol w="1991550"/>
+                <a:gridCol w="1991550"/>
+              </a:tblGrid>
+              <a:tr h="388075">
+                <a:tc>
+                  <a:txBody>
+                    <a:bodyPr/>
+                    <a:lstStyle/>
+                    <a:p>
+                      <a:pPr indent="0" lvl="0" marL="0" rtl="0" algn="ctr">
+                        <a:spcBef>
+                          <a:spcPts val="0"/>
+                        </a:spcBef>
+                        <a:spcAft>
+                          <a:spcPts val="0"/>
+                        </a:spcAft>
+                        <a:buNone/>
+                      </a:pPr>
+                      <a:r>
+                        <a:rPr b="1" lang="en" sz="1800">
+                          <a:latin typeface="Roboto"/>
+                          <a:ea typeface="Roboto"/>
+                          <a:cs typeface="Roboto"/>
+                          <a:sym typeface="Roboto"/>
+                        </a:rPr>
+                        <a:t>Dataframe Size </a:t>
+                      </a:r>
+                      <a:endParaRPr b="1" sz="1800">
+                        <a:latin typeface="Roboto"/>
+                        <a:ea typeface="Roboto"/>
+                        <a:cs typeface="Roboto"/>
+                        <a:sym typeface="Roboto"/>
+                      </a:endParaRPr>
+                    </a:p>
+                  </a:txBody>
+                  <a:tcPr marT="38100" marB="38100" marR="38100" marL="38100" anchor="ctr">
+                    <a:lnL cap="flat" cmpd="sng" w="9525">
+                      <a:solidFill>
+                        <a:srgbClr val="000000"/>
+                      </a:solidFill>
+                      <a:prstDash val="solid"/>
+                      <a:round/>
+                      <a:headEnd len="sm" w="sm" type="none"/>
+                      <a:tailEnd len="sm" w="sm" type="none"/>
+                    </a:lnL>
+                    <a:lnR cap="flat" cmpd="sng" w="9525">
+                      <a:solidFill>
+                        <a:srgbClr val="000000"/>
+                      </a:solidFill>
+                      <a:prstDash val="solid"/>
+                      <a:round/>
+                      <a:headEnd len="sm" w="sm" type="none"/>
+                      <a:tailEnd len="sm" w="sm" type="none"/>
+                    </a:lnR>
+                    <a:lnT cap="flat" cmpd="sng" w="9525">
+                      <a:solidFill>
+                        <a:srgbClr val="000000"/>
+                      </a:solidFill>
+                      <a:prstDash val="solid"/>
+                      <a:round/>
+                      <a:headEnd len="sm" w="sm" type="none"/>
+                      <a:tailEnd len="sm" w="sm" type="none"/>
+                    </a:lnT>
+                    <a:lnB cap="flat" cmpd="sng" w="9525">
+                      <a:solidFill>
+                        <a:srgbClr val="000000"/>
+                      </a:solidFill>
+                      <a:prstDash val="solid"/>
+                      <a:round/>
+                      <a:headEnd len="sm" w="sm" type="none"/>
+                      <a:tailEnd len="sm" w="sm" type="none"/>
+                    </a:lnB>
+                  </a:tcPr>
+                </a:tc>
+                <a:tc>
+                  <a:txBody>
+                    <a:bodyPr/>
+                    <a:lstStyle/>
+                    <a:p>
+                      <a:pPr indent="0" lvl="0" marL="0" rtl="0" algn="ctr">
+                        <a:spcBef>
+                          <a:spcPts val="0"/>
+                        </a:spcBef>
+                        <a:spcAft>
+                          <a:spcPts val="0"/>
+                        </a:spcAft>
+                        <a:buNone/>
+                      </a:pPr>
+                      <a:r>
+                        <a:rPr b="1" lang="en" sz="1800">
+                          <a:latin typeface="Roboto"/>
+                          <a:ea typeface="Roboto"/>
+                          <a:cs typeface="Roboto"/>
+                          <a:sym typeface="Roboto"/>
+                        </a:rPr>
+                        <a:t>Sequential Processing</a:t>
+                      </a:r>
+                      <a:endParaRPr b="1" sz="1800">
+                        <a:latin typeface="Roboto"/>
+                        <a:ea typeface="Roboto"/>
+                        <a:cs typeface="Roboto"/>
+                        <a:sym typeface="Roboto"/>
+                      </a:endParaRPr>
+                    </a:p>
+                  </a:txBody>
+                  <a:tcPr marT="38100" marB="38100" marR="38100" marL="38100" anchor="ctr">
+                    <a:lnL cap="flat" cmpd="sng" w="9525">
+                      <a:solidFill>
+                        <a:srgbClr val="000000"/>
+                      </a:solidFill>
+                      <a:prstDash val="solid"/>
+                      <a:round/>
+                      <a:headEnd len="sm" w="sm" type="none"/>
+                      <a:tailEnd len="sm" w="sm" type="none"/>
+                    </a:lnL>
+                    <a:lnR cap="flat" cmpd="sng" w="9525">
+                      <a:solidFill>
+                        <a:srgbClr val="000000"/>
+                      </a:solidFill>
+                      <a:prstDash val="solid"/>
+                      <a:round/>
+                      <a:headEnd len="sm" w="sm" type="none"/>
+                      <a:tailEnd len="sm" w="sm" type="none"/>
+                    </a:lnR>
+                    <a:lnT cap="flat" cmpd="sng" w="9525">
+                      <a:solidFill>
+                        <a:srgbClr val="000000"/>
+                      </a:solidFill>
+                      <a:prstDash val="solid"/>
+                      <a:round/>
+                      <a:headEnd len="sm" w="sm" type="none"/>
+                      <a:tailEnd len="sm" w="sm" type="none"/>
+                    </a:lnT>
+                    <a:lnB cap="flat" cmpd="sng" w="9525">
+                      <a:solidFill>
+                        <a:srgbClr val="000000"/>
+                      </a:solidFill>
+                      <a:prstDash val="solid"/>
+                      <a:round/>
+                      <a:headEnd len="sm" w="sm" type="none"/>
+                      <a:tailEnd len="sm" w="sm" type="none"/>
+                    </a:lnB>
+                  </a:tcPr>
+                </a:tc>
+                <a:tc>
+                  <a:txBody>
+                    <a:bodyPr/>
+                    <a:lstStyle/>
+                    <a:p>
+                      <a:pPr indent="0" lvl="0" marL="0" rtl="0" algn="ctr">
+                        <a:spcBef>
+                          <a:spcPts val="0"/>
+                        </a:spcBef>
+                        <a:spcAft>
+                          <a:spcPts val="0"/>
+                        </a:spcAft>
+                        <a:buNone/>
+                      </a:pPr>
+                      <a:r>
+                        <a:rPr b="1" lang="en" sz="1800">
+                          <a:latin typeface="Roboto"/>
+                          <a:ea typeface="Roboto"/>
+                          <a:cs typeface="Roboto"/>
+                          <a:sym typeface="Roboto"/>
+                        </a:rPr>
+                        <a:t>Parallelized Processing</a:t>
+                      </a:r>
+                      <a:endParaRPr b="1" sz="1800">
+                        <a:latin typeface="Roboto"/>
+                        <a:ea typeface="Roboto"/>
+                        <a:cs typeface="Roboto"/>
+                        <a:sym typeface="Roboto"/>
+                      </a:endParaRPr>
+                    </a:p>
+                  </a:txBody>
+                  <a:tcPr marT="38100" marB="38100" marR="38100" marL="38100" anchor="ctr">
+                    <a:lnL cap="flat" cmpd="sng" w="9525">
+                      <a:solidFill>
+                        <a:srgbClr val="000000"/>
+                      </a:solidFill>
+                      <a:prstDash val="solid"/>
+                      <a:round/>
+                      <a:headEnd len="sm" w="sm" type="none"/>
+                      <a:tailEnd len="sm" w="sm" type="none"/>
+                    </a:lnL>
+                    <a:lnR cap="flat" cmpd="sng" w="9525">
+                      <a:solidFill>
+                        <a:srgbClr val="000000"/>
+                      </a:solidFill>
+                      <a:prstDash val="solid"/>
+                      <a:round/>
+                      <a:headEnd len="sm" w="sm" type="none"/>
+                      <a:tailEnd len="sm" w="sm" type="none"/>
+                    </a:lnR>
+                    <a:lnT cap="flat" cmpd="sng" w="9525">
+                      <a:solidFill>
+                        <a:srgbClr val="000000"/>
+                      </a:solidFill>
+                      <a:prstDash val="solid"/>
+                      <a:round/>
+                      <a:headEnd len="sm" w="sm" type="none"/>
+                      <a:tailEnd len="sm" w="sm" type="none"/>
+                    </a:lnT>
+                    <a:lnB cap="flat" cmpd="sng" w="9525">
+                      <a:solidFill>
+                        <a:srgbClr val="000000"/>
+                      </a:solidFill>
+                      <a:prstDash val="solid"/>
+                      <a:round/>
+                      <a:headEnd len="sm" w="sm" type="none"/>
+                      <a:tailEnd len="sm" w="sm" type="none"/>
+                    </a:lnB>
+                  </a:tcPr>
+                </a:tc>
+                <a:tc>
+                  <a:txBody>
+                    <a:bodyPr/>
+                    <a:lstStyle/>
+                    <a:p>
+                      <a:pPr indent="0" lvl="0" marL="0" rtl="0" algn="ctr">
+                        <a:spcBef>
+                          <a:spcPts val="0"/>
+                        </a:spcBef>
+                        <a:spcAft>
+                          <a:spcPts val="0"/>
+                        </a:spcAft>
+                        <a:buNone/>
+                      </a:pPr>
+                      <a:r>
+                        <a:rPr b="1" lang="en" sz="1800">
+                          <a:latin typeface="Roboto"/>
+                          <a:ea typeface="Roboto"/>
+                          <a:cs typeface="Roboto"/>
+                          <a:sym typeface="Roboto"/>
+                        </a:rPr>
+                        <a:t>Speed Increase</a:t>
+                      </a:r>
+                      <a:endParaRPr b="1" sz="1800">
+                        <a:latin typeface="Roboto"/>
+                        <a:ea typeface="Roboto"/>
+                        <a:cs typeface="Roboto"/>
+                        <a:sym typeface="Roboto"/>
+                      </a:endParaRPr>
+                    </a:p>
+                  </a:txBody>
+                  <a:tcPr marT="38100" marB="38100" marR="38100" marL="38100" anchor="ctr">
+                    <a:lnL cap="flat" cmpd="sng" w="9525">
+                      <a:solidFill>
+                        <a:srgbClr val="000000"/>
+                      </a:solidFill>
+                      <a:prstDash val="solid"/>
+                      <a:round/>
+                      <a:headEnd len="sm" w="sm" type="none"/>
+                      <a:tailEnd len="sm" w="sm" type="none"/>
+                    </a:lnL>
+                    <a:lnR cap="flat" cmpd="sng" w="9525">
+                      <a:solidFill>
+                        <a:srgbClr val="000000"/>
+                      </a:solidFill>
+                      <a:prstDash val="solid"/>
+                      <a:round/>
+                      <a:headEnd len="sm" w="sm" type="none"/>
+                      <a:tailEnd len="sm" w="sm" type="none"/>
+                    </a:lnR>
+                    <a:lnT cap="flat" cmpd="sng" w="9525">
+                      <a:solidFill>
+                        <a:srgbClr val="000000"/>
+                      </a:solidFill>
+                      <a:prstDash val="solid"/>
+                      <a:round/>
+                      <a:headEnd len="sm" w="sm" type="none"/>
+                      <a:tailEnd len="sm" w="sm" type="none"/>
+                    </a:lnT>
+                    <a:lnB cap="flat" cmpd="sng" w="9525">
+                      <a:solidFill>
+                        <a:srgbClr val="000000"/>
+                      </a:solidFill>
+                      <a:prstDash val="solid"/>
+                      <a:round/>
+                      <a:headEnd len="sm" w="sm" type="none"/>
+                      <a:tailEnd len="sm" w="sm" type="none"/>
+                    </a:lnB>
+                  </a:tcPr>
+                </a:tc>
+              </a:tr>
+              <a:tr h="388075">
+                <a:tc>
+                  <a:txBody>
+                    <a:bodyPr/>
+                    <a:lstStyle/>
+                    <a:p>
+                      <a:pPr indent="0" lvl="0" marL="0" rtl="0" algn="r">
+                        <a:spcBef>
+                          <a:spcPts val="0"/>
+                        </a:spcBef>
+                        <a:spcAft>
+                          <a:spcPts val="0"/>
+                        </a:spcAft>
+                        <a:buNone/>
+                      </a:pPr>
+                      <a:r>
+                        <a:rPr lang="en" sz="1800">
+                          <a:latin typeface="Roboto"/>
+                          <a:ea typeface="Roboto"/>
+                          <a:cs typeface="Roboto"/>
+                          <a:sym typeface="Roboto"/>
+                        </a:rPr>
+                        <a:t>10,000 rows</a:t>
+                      </a:r>
+                      <a:endParaRPr sz="1800">
+                        <a:latin typeface="Roboto"/>
+                        <a:ea typeface="Roboto"/>
+                        <a:cs typeface="Roboto"/>
+                        <a:sym typeface="Roboto"/>
+                      </a:endParaRPr>
+                    </a:p>
+                  </a:txBody>
+                  <a:tcPr marT="38100" marB="38100" marR="38100" marL="38100">
+                    <a:lnL cap="flat" cmpd="sng" w="9525">
+                      <a:solidFill>
+                        <a:srgbClr val="000000"/>
+                      </a:solidFill>
+                      <a:prstDash val="solid"/>
+                      <a:round/>
+                      <a:headEnd len="sm" w="sm" type="none"/>
+                      <a:tailEnd len="sm" w="sm" type="none"/>
+                    </a:lnL>
+                    <a:lnR cap="flat" cmpd="sng" w="9525">
+                      <a:solidFill>
+                        <a:srgbClr val="000000"/>
+                      </a:solidFill>
+                      <a:prstDash val="solid"/>
+                      <a:round/>
+                      <a:headEnd len="sm" w="sm" type="none"/>
+                      <a:tailEnd len="sm" w="sm" type="none"/>
+                    </a:lnR>
+                    <a:lnT cap="flat" cmpd="sng" w="9525">
+                      <a:solidFill>
+                        <a:srgbClr val="000000"/>
+                      </a:solidFill>
+                      <a:prstDash val="solid"/>
+                      <a:round/>
+                      <a:headEnd len="sm" w="sm" type="none"/>
+                      <a:tailEnd len="sm" w="sm" type="none"/>
+                    </a:lnT>
+                    <a:lnB cap="flat" cmpd="sng" w="9525">
+                      <a:solidFill>
+                        <a:srgbClr val="000000"/>
+                      </a:solidFill>
+                      <a:prstDash val="solid"/>
+                      <a:round/>
+                      <a:headEnd len="sm" w="sm" type="none"/>
+                      <a:tailEnd len="sm" w="sm" type="none"/>
+                    </a:lnB>
+                    <a:solidFill>
+                      <a:srgbClr val="EFEFEF"/>
+                    </a:solidFill>
+                  </a:tcPr>
+                </a:tc>
+                <a:tc>
+                  <a:txBody>
+                    <a:bodyPr/>
+                    <a:lstStyle/>
+                    <a:p>
+                      <a:pPr indent="0" lvl="0" marL="0" rtl="0" algn="r">
+                        <a:spcBef>
+                          <a:spcPts val="0"/>
+                        </a:spcBef>
+                        <a:spcAft>
+                          <a:spcPts val="0"/>
+                        </a:spcAft>
+                        <a:buNone/>
+                      </a:pPr>
+                      <a:r>
+                        <a:rPr lang="en" sz="1800">
+                          <a:latin typeface="Roboto"/>
+                          <a:ea typeface="Roboto"/>
+                          <a:cs typeface="Roboto"/>
+                          <a:sym typeface="Roboto"/>
+                        </a:rPr>
+                        <a:t>126.9 seconds</a:t>
+                      </a:r>
+                      <a:endParaRPr sz="1800">
+                        <a:latin typeface="Roboto"/>
+                        <a:ea typeface="Roboto"/>
+                        <a:cs typeface="Roboto"/>
+                        <a:sym typeface="Roboto"/>
+                      </a:endParaRPr>
+                    </a:p>
+                  </a:txBody>
+                  <a:tcPr marT="38100" marB="38100" marR="38100" marL="38100">
+                    <a:lnL cap="flat" cmpd="sng" w="9525">
+                      <a:solidFill>
+                        <a:srgbClr val="000000"/>
+                      </a:solidFill>
+                      <a:prstDash val="solid"/>
+                      <a:round/>
+                      <a:headEnd len="sm" w="sm" type="none"/>
+                      <a:tailEnd len="sm" w="sm" type="none"/>
+                    </a:lnL>
+                    <a:lnR cap="flat" cmpd="sng" w="9525">
+                      <a:solidFill>
+                        <a:srgbClr val="000000"/>
+                      </a:solidFill>
+                      <a:prstDash val="solid"/>
+                      <a:round/>
+                      <a:headEnd len="sm" w="sm" type="none"/>
+                      <a:tailEnd len="sm" w="sm" type="none"/>
+                    </a:lnR>
+                    <a:lnT cap="flat" cmpd="sng" w="9525">
+                      <a:solidFill>
+                        <a:srgbClr val="000000"/>
+                      </a:solidFill>
+                      <a:prstDash val="solid"/>
+                      <a:round/>
+                      <a:headEnd len="sm" w="sm" type="none"/>
+                      <a:tailEnd len="sm" w="sm" type="none"/>
+                    </a:lnT>
+                    <a:lnB cap="flat" cmpd="sng" w="9525">
+                      <a:solidFill>
+                        <a:srgbClr val="000000"/>
+                      </a:solidFill>
+                      <a:prstDash val="solid"/>
+                      <a:round/>
+                      <a:headEnd len="sm" w="sm" type="none"/>
+                      <a:tailEnd len="sm" w="sm" type="none"/>
+                    </a:lnB>
+                    <a:solidFill>
+                      <a:srgbClr val="EFEFEF"/>
+                    </a:solidFill>
+                  </a:tcPr>
+                </a:tc>
+                <a:tc>
+                  <a:txBody>
+                    <a:bodyPr/>
+                    <a:lstStyle/>
+                    <a:p>
+                      <a:pPr indent="0" lvl="0" marL="0" rtl="0" algn="r">
+                        <a:spcBef>
+                          <a:spcPts val="0"/>
+                        </a:spcBef>
+                        <a:spcAft>
+                          <a:spcPts val="0"/>
+                        </a:spcAft>
+                        <a:buNone/>
+                      </a:pPr>
+                      <a:r>
+                        <a:rPr lang="en" sz="1800">
+                          <a:latin typeface="Roboto"/>
+                          <a:ea typeface="Roboto"/>
+                          <a:cs typeface="Roboto"/>
+                          <a:sym typeface="Roboto"/>
+                        </a:rPr>
+                        <a:t>17.2 seconds</a:t>
+                      </a:r>
+                      <a:endParaRPr sz="1800">
+                        <a:latin typeface="Roboto"/>
+                        <a:ea typeface="Roboto"/>
+                        <a:cs typeface="Roboto"/>
+                        <a:sym typeface="Roboto"/>
+                      </a:endParaRPr>
+                    </a:p>
+                  </a:txBody>
+                  <a:tcPr marT="38100" marB="38100" marR="38100" marL="38100">
+                    <a:lnL cap="flat" cmpd="sng" w="9525">
+                      <a:solidFill>
+                        <a:srgbClr val="000000"/>
+                      </a:solidFill>
+                      <a:prstDash val="solid"/>
+                      <a:round/>
+                      <a:headEnd len="sm" w="sm" type="none"/>
+                      <a:tailEnd len="sm" w="sm" type="none"/>
+                    </a:lnL>
+                    <a:lnR cap="flat" cmpd="sng" w="9525">
+                      <a:solidFill>
+                        <a:srgbClr val="000000"/>
+                      </a:solidFill>
+                      <a:prstDash val="solid"/>
+                      <a:round/>
+                      <a:headEnd len="sm" w="sm" type="none"/>
+                      <a:tailEnd len="sm" w="sm" type="none"/>
+                    </a:lnR>
+                    <a:lnT cap="flat" cmpd="sng" w="9525">
+                      <a:solidFill>
+                        <a:srgbClr val="000000"/>
+                      </a:solidFill>
+                      <a:prstDash val="solid"/>
+                      <a:round/>
+                      <a:headEnd len="sm" w="sm" type="none"/>
+                      <a:tailEnd len="sm" w="sm" type="none"/>
+                    </a:lnT>
+                    <a:lnB cap="flat" cmpd="sng" w="9525">
+                      <a:solidFill>
+                        <a:srgbClr val="000000"/>
+                      </a:solidFill>
+                      <a:prstDash val="solid"/>
+                      <a:round/>
+                      <a:headEnd len="sm" w="sm" type="none"/>
+                      <a:tailEnd len="sm" w="sm" type="none"/>
+                    </a:lnB>
+                    <a:solidFill>
+                      <a:srgbClr val="EFEFEF"/>
+                    </a:solidFill>
+                  </a:tcPr>
+                </a:tc>
+                <a:tc>
+                  <a:txBody>
+                    <a:bodyPr/>
+                    <a:lstStyle/>
+                    <a:p>
+                      <a:pPr indent="0" lvl="0" marL="0" rtl="0" algn="r">
+                        <a:spcBef>
+                          <a:spcPts val="0"/>
+                        </a:spcBef>
+                        <a:spcAft>
+                          <a:spcPts val="0"/>
+                        </a:spcAft>
+                        <a:buNone/>
+                      </a:pPr>
+                      <a:r>
+                        <a:rPr lang="en" sz="1800">
+                          <a:latin typeface="Roboto"/>
+                          <a:ea typeface="Roboto"/>
+                          <a:cs typeface="Roboto"/>
+                          <a:sym typeface="Roboto"/>
+                        </a:rPr>
+                        <a:t>7.4x faster</a:t>
+                      </a:r>
+                      <a:endParaRPr sz="1800">
+                        <a:latin typeface="Roboto"/>
+                        <a:ea typeface="Roboto"/>
+                        <a:cs typeface="Roboto"/>
+                        <a:sym typeface="Roboto"/>
+                      </a:endParaRPr>
+                    </a:p>
+                  </a:txBody>
+                  <a:tcPr marT="38100" marB="38100" marR="38100" marL="38100">
+                    <a:lnL cap="flat" cmpd="sng" w="9525">
+                      <a:solidFill>
+                        <a:srgbClr val="000000"/>
+                      </a:solidFill>
+                      <a:prstDash val="solid"/>
+                      <a:round/>
+                      <a:headEnd len="sm" w="sm" type="none"/>
+                      <a:tailEnd len="sm" w="sm" type="none"/>
+                    </a:lnL>
+                    <a:lnR cap="flat" cmpd="sng" w="9525">
+                      <a:solidFill>
+                        <a:srgbClr val="000000"/>
+                      </a:solidFill>
+                      <a:prstDash val="solid"/>
+                      <a:round/>
+                      <a:headEnd len="sm" w="sm" type="none"/>
+                      <a:tailEnd len="sm" w="sm" type="none"/>
+                    </a:lnR>
+                    <a:lnT cap="flat" cmpd="sng" w="9525">
+                      <a:solidFill>
+                        <a:srgbClr val="000000"/>
+                      </a:solidFill>
+                      <a:prstDash val="solid"/>
+                      <a:round/>
+                      <a:headEnd len="sm" w="sm" type="none"/>
+                      <a:tailEnd len="sm" w="sm" type="none"/>
+                    </a:lnT>
+                    <a:lnB cap="flat" cmpd="sng" w="9525">
+                      <a:solidFill>
+                        <a:srgbClr val="000000"/>
+                      </a:solidFill>
+                      <a:prstDash val="solid"/>
+                      <a:round/>
+                      <a:headEnd len="sm" w="sm" type="none"/>
+                      <a:tailEnd len="sm" w="sm" type="none"/>
+                    </a:lnB>
+                    <a:solidFill>
+                      <a:srgbClr val="EFEFEF"/>
+                    </a:solidFill>
+                  </a:tcPr>
+                </a:tc>
+              </a:tr>
+              <a:tr h="388075">
+                <a:tc>
+                  <a:txBody>
+                    <a:bodyPr/>
+                    <a:lstStyle/>
+                    <a:p>
+                      <a:pPr indent="0" lvl="0" marL="0" rtl="0" algn="r">
+                        <a:spcBef>
+                          <a:spcPts val="0"/>
+                        </a:spcBef>
+                        <a:spcAft>
+                          <a:spcPts val="0"/>
+                        </a:spcAft>
+                        <a:buNone/>
+                      </a:pPr>
+                      <a:r>
+                        <a:rPr lang="en" sz="1800">
+                          <a:latin typeface="Roboto"/>
+                          <a:ea typeface="Roboto"/>
+                          <a:cs typeface="Roboto"/>
+                          <a:sym typeface="Roboto"/>
+                        </a:rPr>
+                        <a:t>447,423 rows</a:t>
+                      </a:r>
+                      <a:endParaRPr sz="1800">
+                        <a:latin typeface="Roboto"/>
+                        <a:ea typeface="Roboto"/>
+                        <a:cs typeface="Roboto"/>
+                        <a:sym typeface="Roboto"/>
+                      </a:endParaRPr>
+                    </a:p>
+                  </a:txBody>
+                  <a:tcPr marT="38100" marB="38100" marR="38100" marL="38100">
+                    <a:lnL cap="flat" cmpd="sng" w="9525">
+                      <a:solidFill>
+                        <a:srgbClr val="000000"/>
+                      </a:solidFill>
+                      <a:prstDash val="solid"/>
+                      <a:round/>
+                      <a:headEnd len="sm" w="sm" type="none"/>
+                      <a:tailEnd len="sm" w="sm" type="none"/>
+                    </a:lnL>
+                    <a:lnR cap="flat" cmpd="sng" w="9525">
+                      <a:solidFill>
+                        <a:srgbClr val="000000"/>
+                      </a:solidFill>
+                      <a:prstDash val="solid"/>
+                      <a:round/>
+                      <a:headEnd len="sm" w="sm" type="none"/>
+                      <a:tailEnd len="sm" w="sm" type="none"/>
+                    </a:lnR>
+                    <a:lnT cap="flat" cmpd="sng" w="9525">
+                      <a:solidFill>
+                        <a:srgbClr val="000000"/>
+                      </a:solidFill>
+                      <a:prstDash val="solid"/>
+                      <a:round/>
+                      <a:headEnd len="sm" w="sm" type="none"/>
+                      <a:tailEnd len="sm" w="sm" type="none"/>
+                    </a:lnT>
+                    <a:lnB cap="flat" cmpd="sng" w="9525">
+                      <a:solidFill>
+                        <a:srgbClr val="000000"/>
+                      </a:solidFill>
+                      <a:prstDash val="solid"/>
+                      <a:round/>
+                      <a:headEnd len="sm" w="sm" type="none"/>
+                      <a:tailEnd len="sm" w="sm" type="none"/>
+                    </a:lnB>
+                  </a:tcPr>
+                </a:tc>
+                <a:tc>
+                  <a:txBody>
+                    <a:bodyPr/>
+                    <a:lstStyle/>
+                    <a:p>
+                      <a:pPr indent="0" lvl="0" marL="0" rtl="0" algn="r">
+                        <a:spcBef>
+                          <a:spcPts val="0"/>
+                        </a:spcBef>
+                        <a:spcAft>
+                          <a:spcPts val="0"/>
+                        </a:spcAft>
+                        <a:buNone/>
+                      </a:pPr>
+                      <a:r>
+                        <a:rPr lang="en" sz="1800">
+                          <a:latin typeface="Roboto"/>
+                          <a:ea typeface="Roboto"/>
+                          <a:cs typeface="Roboto"/>
+                          <a:sym typeface="Roboto"/>
+                        </a:rPr>
+                        <a:t>3414 seconds</a:t>
+                      </a:r>
+                      <a:endParaRPr sz="1800">
+                        <a:latin typeface="Roboto"/>
+                        <a:ea typeface="Roboto"/>
+                        <a:cs typeface="Roboto"/>
+                        <a:sym typeface="Roboto"/>
+                      </a:endParaRPr>
+                    </a:p>
+                  </a:txBody>
+                  <a:tcPr marT="38100" marB="38100" marR="38100" marL="38100">
+                    <a:lnL cap="flat" cmpd="sng" w="9525">
+                      <a:solidFill>
+                        <a:srgbClr val="000000"/>
+                      </a:solidFill>
+                      <a:prstDash val="solid"/>
+                      <a:round/>
+                      <a:headEnd len="sm" w="sm" type="none"/>
+                      <a:tailEnd len="sm" w="sm" type="none"/>
+                    </a:lnL>
+                    <a:lnR cap="flat" cmpd="sng" w="9525">
+                      <a:solidFill>
+                        <a:srgbClr val="000000"/>
+                      </a:solidFill>
+                      <a:prstDash val="solid"/>
+                      <a:round/>
+                      <a:headEnd len="sm" w="sm" type="none"/>
+                      <a:tailEnd len="sm" w="sm" type="none"/>
+                    </a:lnR>
+                    <a:lnT cap="flat" cmpd="sng" w="9525">
+                      <a:solidFill>
+                        <a:srgbClr val="000000"/>
+                      </a:solidFill>
+                      <a:prstDash val="solid"/>
+                      <a:round/>
+                      <a:headEnd len="sm" w="sm" type="none"/>
+                      <a:tailEnd len="sm" w="sm" type="none"/>
+                    </a:lnT>
+                    <a:lnB cap="flat" cmpd="sng" w="9525">
+                      <a:solidFill>
+                        <a:srgbClr val="000000"/>
+                      </a:solidFill>
+                      <a:prstDash val="solid"/>
+                      <a:round/>
+                      <a:headEnd len="sm" w="sm" type="none"/>
+                      <a:tailEnd len="sm" w="sm" type="none"/>
+                    </a:lnB>
+                  </a:tcPr>
+                </a:tc>
+                <a:tc>
+                  <a:txBody>
+                    <a:bodyPr/>
+                    <a:lstStyle/>
+                    <a:p>
+                      <a:pPr indent="0" lvl="0" marL="0" rtl="0" algn="r">
+                        <a:spcBef>
+                          <a:spcPts val="0"/>
+                        </a:spcBef>
+                        <a:spcAft>
+                          <a:spcPts val="0"/>
+                        </a:spcAft>
+                        <a:buNone/>
+                      </a:pPr>
+                      <a:r>
+                        <a:rPr lang="en" sz="1800">
+                          <a:latin typeface="Roboto"/>
+                          <a:ea typeface="Roboto"/>
+                          <a:cs typeface="Roboto"/>
+                          <a:sym typeface="Roboto"/>
+                        </a:rPr>
+                        <a:t>--</a:t>
+                      </a:r>
+                      <a:endParaRPr sz="1800">
+                        <a:latin typeface="Roboto"/>
+                        <a:ea typeface="Roboto"/>
+                        <a:cs typeface="Roboto"/>
+                        <a:sym typeface="Roboto"/>
+                      </a:endParaRPr>
+                    </a:p>
+                  </a:txBody>
+                  <a:tcPr marT="38100" marB="38100" marR="38100" marL="38100">
+                    <a:lnL cap="flat" cmpd="sng" w="9525">
+                      <a:solidFill>
+                        <a:srgbClr val="000000"/>
+                      </a:solidFill>
+                      <a:prstDash val="solid"/>
+                      <a:round/>
+                      <a:headEnd len="sm" w="sm" type="none"/>
+                      <a:tailEnd len="sm" w="sm" type="none"/>
+                    </a:lnL>
+                    <a:lnR cap="flat" cmpd="sng" w="9525">
+                      <a:solidFill>
+                        <a:srgbClr val="000000"/>
+                      </a:solidFill>
+                      <a:prstDash val="solid"/>
+                      <a:round/>
+                      <a:headEnd len="sm" w="sm" type="none"/>
+                      <a:tailEnd len="sm" w="sm" type="none"/>
+                    </a:lnR>
+                    <a:lnT cap="flat" cmpd="sng" w="9525">
+                      <a:solidFill>
+                        <a:srgbClr val="000000"/>
+                      </a:solidFill>
+                      <a:prstDash val="solid"/>
+                      <a:round/>
+                      <a:headEnd len="sm" w="sm" type="none"/>
+                      <a:tailEnd len="sm" w="sm" type="none"/>
+                    </a:lnT>
+                    <a:lnB cap="flat" cmpd="sng" w="9525">
+                      <a:solidFill>
+                        <a:srgbClr val="000000"/>
+                      </a:solidFill>
+                      <a:prstDash val="solid"/>
+                      <a:round/>
+                      <a:headEnd len="sm" w="sm" type="none"/>
+                      <a:tailEnd len="sm" w="sm" type="none"/>
+                    </a:lnB>
+                  </a:tcPr>
+                </a:tc>
+                <a:tc>
+                  <a:txBody>
+                    <a:bodyPr/>
+                    <a:lstStyle/>
+                    <a:p>
+                      <a:pPr indent="0" lvl="0" marL="0" rtl="0" algn="r">
+                        <a:spcBef>
+                          <a:spcPts val="0"/>
+                        </a:spcBef>
+                        <a:spcAft>
+                          <a:spcPts val="0"/>
+                        </a:spcAft>
+                        <a:buNone/>
+                      </a:pPr>
+                      <a:r>
+                        <a:rPr lang="en" sz="1800">
+                          <a:latin typeface="Roboto"/>
+                          <a:ea typeface="Roboto"/>
+                          <a:cs typeface="Roboto"/>
+                          <a:sym typeface="Roboto"/>
+                        </a:rPr>
+                        <a:t>--</a:t>
+                      </a:r>
+                      <a:endParaRPr sz="1800">
+                        <a:latin typeface="Roboto"/>
+                        <a:ea typeface="Roboto"/>
+                        <a:cs typeface="Roboto"/>
+                        <a:sym typeface="Roboto"/>
+                      </a:endParaRPr>
+                    </a:p>
+                  </a:txBody>
+                  <a:tcPr marT="38100" marB="38100" marR="38100" marL="38100">
+                    <a:lnL cap="flat" cmpd="sng" w="9525">
+                      <a:solidFill>
+                        <a:srgbClr val="000000"/>
+                      </a:solidFill>
+                      <a:prstDash val="solid"/>
+                      <a:round/>
+                      <a:headEnd len="sm" w="sm" type="none"/>
+                      <a:tailEnd len="sm" w="sm" type="none"/>
+                    </a:lnL>
+                    <a:lnR cap="flat" cmpd="sng" w="9525">
+                      <a:solidFill>
+                        <a:srgbClr val="000000"/>
+                      </a:solidFill>
+                      <a:prstDash val="solid"/>
+                      <a:round/>
+                      <a:headEnd len="sm" w="sm" type="none"/>
+                      <a:tailEnd len="sm" w="sm" type="none"/>
+                    </a:lnR>
+                    <a:lnT cap="flat" cmpd="sng" w="9525">
+                      <a:solidFill>
+                        <a:srgbClr val="000000"/>
+                      </a:solidFill>
+                      <a:prstDash val="solid"/>
+                      <a:round/>
+                      <a:headEnd len="sm" w="sm" type="none"/>
+                      <a:tailEnd len="sm" w="sm" type="none"/>
+                    </a:lnT>
+                    <a:lnB cap="flat" cmpd="sng" w="9525">
+                      <a:solidFill>
+                        <a:srgbClr val="000000"/>
+                      </a:solidFill>
+                      <a:prstDash val="solid"/>
+                      <a:round/>
+                      <a:headEnd len="sm" w="sm" type="none"/>
+                      <a:tailEnd len="sm" w="sm" type="none"/>
+                    </a:lnB>
+                  </a:tcPr>
+                </a:tc>
+              </a:tr>
+              <a:tr h="388075">
+                <a:tc>
+                  <a:txBody>
+                    <a:bodyPr/>
+                    <a:lstStyle/>
+                    <a:p>
+                      <a:pPr indent="0" lvl="0" marL="0" rtl="0" algn="r">
+                        <a:spcBef>
+                          <a:spcPts val="0"/>
+                        </a:spcBef>
+                        <a:spcAft>
+                          <a:spcPts val="0"/>
+                        </a:spcAft>
+                        <a:buNone/>
+                      </a:pPr>
+                      <a:r>
+                        <a:rPr lang="en" sz="1800">
+                          <a:latin typeface="Roboto"/>
+                          <a:ea typeface="Roboto"/>
+                          <a:cs typeface="Roboto"/>
+                          <a:sym typeface="Roboto"/>
+                        </a:rPr>
+                        <a:t>22,756,812 rows</a:t>
+                      </a:r>
+                      <a:endParaRPr sz="1800">
+                        <a:latin typeface="Roboto"/>
+                        <a:ea typeface="Roboto"/>
+                        <a:cs typeface="Roboto"/>
+                        <a:sym typeface="Roboto"/>
+                      </a:endParaRPr>
+                    </a:p>
+                  </a:txBody>
+                  <a:tcPr marT="38100" marB="38100" marR="38100" marL="38100">
+                    <a:lnL cap="flat" cmpd="sng" w="9525">
+                      <a:solidFill>
+                        <a:srgbClr val="000000"/>
+                      </a:solidFill>
+                      <a:prstDash val="solid"/>
+                      <a:round/>
+                      <a:headEnd len="sm" w="sm" type="none"/>
+                      <a:tailEnd len="sm" w="sm" type="none"/>
+                    </a:lnL>
+                    <a:lnR cap="flat" cmpd="sng" w="9525">
+                      <a:solidFill>
+                        <a:srgbClr val="000000"/>
+                      </a:solidFill>
+                      <a:prstDash val="solid"/>
+                      <a:round/>
+                      <a:headEnd len="sm" w="sm" type="none"/>
+                      <a:tailEnd len="sm" w="sm" type="none"/>
+                    </a:lnR>
+                    <a:lnT cap="flat" cmpd="sng" w="9525">
+                      <a:solidFill>
+                        <a:srgbClr val="000000"/>
+                      </a:solidFill>
+                      <a:prstDash val="solid"/>
+                      <a:round/>
+                      <a:headEnd len="sm" w="sm" type="none"/>
+                      <a:tailEnd len="sm" w="sm" type="none"/>
+                    </a:lnT>
+                    <a:lnB cap="flat" cmpd="sng" w="9525">
+                      <a:solidFill>
+                        <a:srgbClr val="000000"/>
+                      </a:solidFill>
+                      <a:prstDash val="solid"/>
+                      <a:round/>
+                      <a:headEnd len="sm" w="sm" type="none"/>
+                      <a:tailEnd len="sm" w="sm" type="none"/>
+                    </a:lnB>
+                    <a:solidFill>
+                      <a:srgbClr val="EFEFEF"/>
+                    </a:solidFill>
+                  </a:tcPr>
+                </a:tc>
+                <a:tc>
+                  <a:txBody>
+                    <a:bodyPr/>
+                    <a:lstStyle/>
+                    <a:p>
+                      <a:pPr indent="0" lvl="0" marL="0" rtl="0" algn="r">
+                        <a:spcBef>
+                          <a:spcPts val="0"/>
+                        </a:spcBef>
+                        <a:spcAft>
+                          <a:spcPts val="0"/>
+                        </a:spcAft>
+                        <a:buNone/>
+                      </a:pPr>
+                      <a:r>
+                        <a:rPr lang="en" sz="1800">
+                          <a:latin typeface="Roboto"/>
+                          <a:ea typeface="Roboto"/>
+                          <a:cs typeface="Roboto"/>
+                          <a:sym typeface="Roboto"/>
+                        </a:rPr>
+                        <a:t>174k seconds</a:t>
+                      </a:r>
+                      <a:br>
+                        <a:rPr lang="en" sz="1800">
+                          <a:latin typeface="Roboto"/>
+                          <a:ea typeface="Roboto"/>
+                          <a:cs typeface="Roboto"/>
+                          <a:sym typeface="Roboto"/>
+                        </a:rPr>
+                      </a:br>
+                      <a:r>
+                        <a:rPr lang="en" sz="1800">
+                          <a:latin typeface="Roboto"/>
+                          <a:ea typeface="Roboto"/>
+                          <a:cs typeface="Roboto"/>
+                          <a:sym typeface="Roboto"/>
+                        </a:rPr>
+                        <a:t>(48.2 hours)</a:t>
+                      </a:r>
+                      <a:endParaRPr sz="1800">
+                        <a:latin typeface="Roboto"/>
+                        <a:ea typeface="Roboto"/>
+                        <a:cs typeface="Roboto"/>
+                        <a:sym typeface="Roboto"/>
+                      </a:endParaRPr>
+                    </a:p>
+                  </a:txBody>
+                  <a:tcPr marT="38100" marB="38100" marR="38100" marL="38100">
+                    <a:lnL cap="flat" cmpd="sng" w="9525">
+                      <a:solidFill>
+                        <a:srgbClr val="000000"/>
+                      </a:solidFill>
+                      <a:prstDash val="solid"/>
+                      <a:round/>
+                      <a:headEnd len="sm" w="sm" type="none"/>
+                      <a:tailEnd len="sm" w="sm" type="none"/>
+                    </a:lnL>
+                    <a:lnR cap="flat" cmpd="sng" w="9525">
+                      <a:solidFill>
+                        <a:srgbClr val="000000"/>
+                      </a:solidFill>
+                      <a:prstDash val="solid"/>
+                      <a:round/>
+                      <a:headEnd len="sm" w="sm" type="none"/>
+                      <a:tailEnd len="sm" w="sm" type="none"/>
+                    </a:lnR>
+                    <a:lnT cap="flat" cmpd="sng" w="9525">
+                      <a:solidFill>
+                        <a:srgbClr val="000000"/>
+                      </a:solidFill>
+                      <a:prstDash val="solid"/>
+                      <a:round/>
+                      <a:headEnd len="sm" w="sm" type="none"/>
+                      <a:tailEnd len="sm" w="sm" type="none"/>
+                    </a:lnT>
+                    <a:lnB cap="flat" cmpd="sng" w="9525">
+                      <a:solidFill>
+                        <a:srgbClr val="000000"/>
+                      </a:solidFill>
+                      <a:prstDash val="solid"/>
+                      <a:round/>
+                      <a:headEnd len="sm" w="sm" type="none"/>
+                      <a:tailEnd len="sm" w="sm" type="none"/>
+                    </a:lnB>
+                    <a:solidFill>
+                      <a:srgbClr val="EFEFEF"/>
+                    </a:solidFill>
+                  </a:tcPr>
+                </a:tc>
+                <a:tc>
+                  <a:txBody>
+                    <a:bodyPr/>
+                    <a:lstStyle/>
+                    <a:p>
+                      <a:pPr indent="0" lvl="0" marL="0" rtl="0" algn="r">
+                        <a:spcBef>
+                          <a:spcPts val="0"/>
+                        </a:spcBef>
+                        <a:spcAft>
+                          <a:spcPts val="0"/>
+                        </a:spcAft>
+                        <a:buNone/>
+                      </a:pPr>
+                      <a:r>
+                        <a:rPr lang="en" sz="1800">
+                          <a:latin typeface="Roboto"/>
+                          <a:ea typeface="Roboto"/>
+                          <a:cs typeface="Roboto"/>
+                          <a:sym typeface="Roboto"/>
+                        </a:rPr>
+                        <a:t>48732 seconds </a:t>
+                      </a:r>
+                      <a:br>
+                        <a:rPr lang="en" sz="1800">
+                          <a:latin typeface="Roboto"/>
+                          <a:ea typeface="Roboto"/>
+                          <a:cs typeface="Roboto"/>
+                          <a:sym typeface="Roboto"/>
+                        </a:rPr>
+                      </a:br>
+                      <a:r>
+                        <a:rPr lang="en" sz="1800">
+                          <a:latin typeface="Roboto"/>
+                          <a:ea typeface="Roboto"/>
+                          <a:cs typeface="Roboto"/>
+                          <a:sym typeface="Roboto"/>
+                        </a:rPr>
+                        <a:t>(13.5 hours)</a:t>
+                      </a:r>
+                      <a:endParaRPr sz="1800">
+                        <a:latin typeface="Roboto"/>
+                        <a:ea typeface="Roboto"/>
+                        <a:cs typeface="Roboto"/>
+                        <a:sym typeface="Roboto"/>
+                      </a:endParaRPr>
+                    </a:p>
+                  </a:txBody>
+                  <a:tcPr marT="38100" marB="38100" marR="38100" marL="38100">
+                    <a:lnL cap="flat" cmpd="sng" w="9525">
+                      <a:solidFill>
+                        <a:srgbClr val="000000"/>
+                      </a:solidFill>
+                      <a:prstDash val="solid"/>
+                      <a:round/>
+                      <a:headEnd len="sm" w="sm" type="none"/>
+                      <a:tailEnd len="sm" w="sm" type="none"/>
+                    </a:lnL>
+                    <a:lnR cap="flat" cmpd="sng" w="9525">
+                      <a:solidFill>
+                        <a:srgbClr val="000000"/>
+                      </a:solidFill>
+                      <a:prstDash val="solid"/>
+                      <a:round/>
+                      <a:headEnd len="sm" w="sm" type="none"/>
+                      <a:tailEnd len="sm" w="sm" type="none"/>
+                    </a:lnR>
+                    <a:lnT cap="flat" cmpd="sng" w="9525">
+                      <a:solidFill>
+                        <a:srgbClr val="000000"/>
+                      </a:solidFill>
+                      <a:prstDash val="solid"/>
+                      <a:round/>
+                      <a:headEnd len="sm" w="sm" type="none"/>
+                      <a:tailEnd len="sm" w="sm" type="none"/>
+                    </a:lnT>
+                    <a:lnB cap="flat" cmpd="sng" w="9525">
+                      <a:solidFill>
+                        <a:srgbClr val="000000"/>
+                      </a:solidFill>
+                      <a:prstDash val="solid"/>
+                      <a:round/>
+                      <a:headEnd len="sm" w="sm" type="none"/>
+                      <a:tailEnd len="sm" w="sm" type="none"/>
+                    </a:lnB>
+                    <a:solidFill>
+                      <a:srgbClr val="EFEFEF"/>
+                    </a:solidFill>
+                  </a:tcPr>
+                </a:tc>
+                <a:tc>
+                  <a:txBody>
+                    <a:bodyPr/>
+                    <a:lstStyle/>
+                    <a:p>
+                      <a:pPr indent="0" lvl="0" marL="0" rtl="0" algn="r">
+                        <a:spcBef>
+                          <a:spcPts val="0"/>
+                        </a:spcBef>
+                        <a:spcAft>
+                          <a:spcPts val="0"/>
+                        </a:spcAft>
+                        <a:buNone/>
+                      </a:pPr>
+                      <a:r>
+                        <a:rPr lang="en" sz="1800">
+                          <a:latin typeface="Roboto"/>
+                          <a:ea typeface="Roboto"/>
+                          <a:cs typeface="Roboto"/>
+                          <a:sym typeface="Roboto"/>
+                        </a:rPr>
+                        <a:t>3.6x faster</a:t>
+                      </a:r>
+                      <a:endParaRPr sz="1800">
+                        <a:latin typeface="Roboto"/>
+                        <a:ea typeface="Roboto"/>
+                        <a:cs typeface="Roboto"/>
+                        <a:sym typeface="Roboto"/>
+                      </a:endParaRPr>
+                    </a:p>
+                  </a:txBody>
+                  <a:tcPr marT="38100" marB="38100" marR="38100" marL="38100">
+                    <a:lnL cap="flat" cmpd="sng" w="9525">
+                      <a:solidFill>
+                        <a:srgbClr val="000000"/>
+                      </a:solidFill>
+                      <a:prstDash val="solid"/>
+                      <a:round/>
+                      <a:headEnd len="sm" w="sm" type="none"/>
+                      <a:tailEnd len="sm" w="sm" type="none"/>
+                    </a:lnL>
+                    <a:lnR cap="flat" cmpd="sng" w="9525">
+                      <a:solidFill>
+                        <a:srgbClr val="000000"/>
+                      </a:solidFill>
+                      <a:prstDash val="solid"/>
+                      <a:round/>
+                      <a:headEnd len="sm" w="sm" type="none"/>
+                      <a:tailEnd len="sm" w="sm" type="none"/>
+                    </a:lnR>
+                    <a:lnT cap="flat" cmpd="sng" w="9525">
+                      <a:solidFill>
+                        <a:srgbClr val="000000"/>
+                      </a:solidFill>
+                      <a:prstDash val="solid"/>
+                      <a:round/>
+                      <a:headEnd len="sm" w="sm" type="none"/>
+                      <a:tailEnd len="sm" w="sm" type="none"/>
+                    </a:lnT>
+                    <a:lnB cap="flat" cmpd="sng" w="9525">
+                      <a:solidFill>
+                        <a:srgbClr val="000000"/>
+                      </a:solidFill>
+                      <a:prstDash val="solid"/>
+                      <a:round/>
+                      <a:headEnd len="sm" w="sm" type="none"/>
+                      <a:tailEnd len="sm" w="sm" type="none"/>
+                    </a:lnB>
+                    <a:solidFill>
+                      <a:srgbClr val="EFEFEF"/>
+                    </a:solidFill>
+                  </a:tcPr>
+                </a:tc>
+              </a:tr>
+            </a:tbl>
+          </a:graphicData>
+        </a:graphic>
+      </p:graphicFrame>
     </p:spTree>
   </p:cSld>
   <p:clrMapOvr>
